--- a/PPT/DatabaseLecture_2.pptx
+++ b/PPT/DatabaseLecture_2.pptx
@@ -184,7 +184,49 @@
       </a:defRPr>
     </a:lvl9pPr>
   </p:defaultTextStyle>
+  <p:extLst>
+    <p:ext uri="{EFAFB233-063F-42B5-8137-9DF3F51BA10A}">
+      <p15:sldGuideLst xmlns:p15="http://schemas.microsoft.com/office/powerpoint/2012/main">
+        <p15:guide id="1" orient="horz" pos="2160">
+          <p15:clr>
+            <a:srgbClr val="A4A3A4"/>
+          </p15:clr>
+        </p15:guide>
+        <p15:guide id="2" pos="2880">
+          <p15:clr>
+            <a:srgbClr val="A4A3A4"/>
+          </p15:clr>
+        </p15:guide>
+      </p15:sldGuideLst>
+    </p:ext>
+  </p:extLst>
 </p:presentation>
+</file>
+
+<file path=ppt/commentAuthors.xml><?xml version="1.0" encoding="utf-8"?>
+<p:cmAuthorLst xmlns:a="http://schemas.openxmlformats.org/drawingml/2006/main" xmlns:r="http://schemas.openxmlformats.org/officeDocument/2006/relationships" xmlns:p="http://schemas.openxmlformats.org/presentationml/2006/main">
+  <p:cmAuthor id="1" name="user" initials="u" lastIdx="1" clrIdx="0">
+    <p:extLst>
+      <p:ext uri="{19B8F6BF-5375-455C-9EA6-DF929625EA0E}">
+        <p15:presenceInfo xmlns:p15="http://schemas.microsoft.com/office/powerpoint/2012/main" userId="user" providerId="None"/>
+      </p:ext>
+    </p:extLst>
+  </p:cmAuthor>
+</p:cmAuthorLst>
+</file>
+
+<file path=ppt/comments/comment1.xml><?xml version="1.0" encoding="utf-8"?>
+<p:cmLst xmlns:a="http://schemas.openxmlformats.org/drawingml/2006/main" xmlns:r="http://schemas.openxmlformats.org/officeDocument/2006/relationships" xmlns:p="http://schemas.openxmlformats.org/presentationml/2006/main">
+  <p:cm authorId="1" dt="2019-10-08T15:16:32.611" idx="1">
+    <p:pos x="10" y="10"/>
+    <p:text>??</p:text>
+    <p:extLst>
+      <p:ext uri="{C676402C-5697-4E1C-873F-D02D1690AC5C}">
+        <p15:threadingInfo xmlns:p15="http://schemas.microsoft.com/office/powerpoint/2012/main" timeZoneBias="-480"/>
+      </p:ext>
+    </p:extLst>
+  </p:cm>
+</p:cmLst>
 </file>
 
 <file path=ppt/notesMasters/notesMaster1.xml><?xml version="1.0" encoding="utf-8"?>
@@ -458,35 +500,35 @@
           <a:p>
             <a:pPr lvl="0"/>
             <a:r>
-              <a:rPr lang="zh-TW" altLang="en-US" smtClean="0"/>
+              <a:rPr lang="zh-TW" altLang="en-US"/>
               <a:t>按一下以編輯母片</a:t>
             </a:r>
           </a:p>
           <a:p>
             <a:pPr lvl="1"/>
             <a:r>
-              <a:rPr lang="zh-TW" altLang="en-US" smtClean="0"/>
+              <a:rPr lang="zh-TW" altLang="en-US"/>
               <a:t>第二層</a:t>
             </a:r>
           </a:p>
           <a:p>
             <a:pPr lvl="2"/>
             <a:r>
-              <a:rPr lang="zh-TW" altLang="en-US" smtClean="0"/>
+              <a:rPr lang="zh-TW" altLang="en-US"/>
               <a:t>第三層</a:t>
             </a:r>
           </a:p>
           <a:p>
             <a:pPr lvl="3"/>
             <a:r>
-              <a:rPr lang="zh-TW" altLang="en-US" smtClean="0"/>
+              <a:rPr lang="zh-TW" altLang="en-US"/>
               <a:t>第四層</a:t>
             </a:r>
           </a:p>
           <a:p>
             <a:pPr lvl="4"/>
             <a:r>
-              <a:rPr lang="zh-TW" altLang="en-US" smtClean="0"/>
+              <a:rPr lang="zh-TW" altLang="en-US"/>
               <a:t>第五層</a:t>
             </a:r>
           </a:p>
@@ -1010,7 +1052,7 @@
           <a:bodyPr/>
           <a:lstStyle/>
           <a:p>
-            <a:endParaRPr lang="zh-TW" altLang="zh-TW"/>
+            <a:endParaRPr lang="zh-TW" altLang="zh-TW" dirty="0"/>
           </a:p>
         </p:txBody>
       </p:sp>
@@ -1262,7 +1304,7 @@
           <a:bodyPr/>
           <a:lstStyle/>
           <a:p>
-            <a:endParaRPr lang="zh-TW" altLang="zh-TW"/>
+            <a:endParaRPr lang="zh-TW" altLang="zh-TW" dirty="0"/>
           </a:p>
         </p:txBody>
       </p:sp>
@@ -1682,7 +1724,19 @@
           <a:bodyPr/>
           <a:lstStyle/>
           <a:p>
-            <a:endParaRPr lang="zh-TW" altLang="zh-TW"/>
+            <a:r>
+              <a:rPr lang="en-US" altLang="zh-TW" dirty="0"/>
+              <a:t>DISRINCT</a:t>
+            </a:r>
+            <a:r>
+              <a:rPr lang="zh-TW" altLang="en-US" dirty="0"/>
+              <a:t> 相同的會去除</a:t>
+            </a:r>
+            <a:r>
+              <a:rPr lang="en-US" altLang="zh-TW" dirty="0"/>
+              <a:t>	</a:t>
+            </a:r>
+            <a:endParaRPr lang="zh-TW" altLang="zh-TW" dirty="0"/>
           </a:p>
         </p:txBody>
       </p:sp>
@@ -1850,7 +1904,19 @@
           <a:bodyPr/>
           <a:lstStyle/>
           <a:p>
-            <a:endParaRPr lang="zh-TW" altLang="zh-TW"/>
+            <a:r>
+              <a:rPr lang="en-US" altLang="zh-TW" dirty="0"/>
+              <a:t>NULL</a:t>
+            </a:r>
+            <a:r>
+              <a:rPr lang="zh-TW" altLang="en-US" dirty="0"/>
+              <a:t> 不會計算入</a:t>
+            </a:r>
+            <a:r>
+              <a:rPr lang="en-US" altLang="zh-TW" dirty="0"/>
+              <a:t>Aggregation</a:t>
+            </a:r>
+            <a:endParaRPr lang="zh-TW" altLang="zh-TW" dirty="0"/>
           </a:p>
         </p:txBody>
       </p:sp>
@@ -1934,7 +2000,37 @@
           <a:bodyPr/>
           <a:lstStyle/>
           <a:p>
-            <a:endParaRPr lang="zh-TW" altLang="zh-TW"/>
+            <a:r>
+              <a:rPr lang="zh-TW" altLang="en-US" dirty="0"/>
+              <a:t>第一個會把</a:t>
+            </a:r>
+            <a:r>
+              <a:rPr lang="en-US" altLang="zh-TW" dirty="0"/>
+              <a:t>NULL</a:t>
+            </a:r>
+            <a:r>
+              <a:rPr lang="zh-TW" altLang="en-US" dirty="0"/>
+              <a:t> 計算進去</a:t>
+            </a:r>
+            <a:endParaRPr lang="en-US" altLang="zh-TW" dirty="0"/>
+          </a:p>
+          <a:p>
+            <a:r>
+              <a:rPr lang="zh-TW" altLang="en-US" dirty="0"/>
+              <a:t>第二個不計算</a:t>
+            </a:r>
+            <a:r>
+              <a:rPr lang="en-US" altLang="zh-TW" dirty="0"/>
+              <a:t>NULL</a:t>
+            </a:r>
+            <a:r>
+              <a:rPr lang="zh-TW" altLang="en-US" dirty="0"/>
+              <a:t> 欄位</a:t>
+            </a:r>
+            <a:endParaRPr lang="en-US" altLang="zh-TW" dirty="0"/>
+          </a:p>
+          <a:p>
+            <a:endParaRPr lang="zh-TW" altLang="zh-TW" dirty="0"/>
           </a:p>
         </p:txBody>
       </p:sp>
@@ -2186,7 +2282,32 @@
           <a:bodyPr/>
           <a:lstStyle/>
           <a:p>
-            <a:endParaRPr lang="zh-TW" altLang="zh-TW"/>
+            <a:r>
+              <a:rPr lang="zh-TW" altLang="en-US" dirty="0"/>
+              <a:t>題目</a:t>
+            </a:r>
+            <a:r>
+              <a:rPr lang="en-US" altLang="zh-TW" dirty="0"/>
+              <a:t>:</a:t>
+            </a:r>
+          </a:p>
+          <a:p>
+            <a:r>
+              <a:rPr lang="zh-TW" altLang="en-US" dirty="0"/>
+              <a:t>計算</a:t>
+            </a:r>
+            <a:r>
+              <a:rPr lang="en-US" altLang="zh-TW" dirty="0"/>
+              <a:t>drink</a:t>
+            </a:r>
+            <a:r>
+              <a:rPr lang="zh-TW" altLang="en-US" dirty="0"/>
+              <a:t> 常去的酒吧 台啤的平均價格</a:t>
+            </a:r>
+            <a:endParaRPr lang="en-US" altLang="zh-TW" dirty="0"/>
+          </a:p>
+          <a:p>
+            <a:endParaRPr lang="en-US" altLang="zh-TW" dirty="0"/>
           </a:p>
         </p:txBody>
       </p:sp>
@@ -2438,7 +2559,26 @@
           <a:bodyPr/>
           <a:lstStyle/>
           <a:p>
-            <a:endParaRPr lang="zh-TW" altLang="zh-TW"/>
+            <a:r>
+              <a:rPr lang="en-US" altLang="zh-TW" dirty="0"/>
+              <a:t>Group by </a:t>
+            </a:r>
+            <a:r>
+              <a:rPr lang="zh-TW" altLang="en-US" dirty="0"/>
+              <a:t>之後 可以再作條件塞選 用</a:t>
+            </a:r>
+            <a:r>
+              <a:rPr lang="en-US" altLang="zh-TW" dirty="0"/>
+              <a:t>having</a:t>
+            </a:r>
+            <a:r>
+              <a:rPr lang="zh-TW" altLang="en-US" dirty="0"/>
+              <a:t> </a:t>
+            </a:r>
+            <a:endParaRPr lang="en-US" altLang="zh-TW" dirty="0"/>
+          </a:p>
+          <a:p>
+            <a:endParaRPr lang="en-US" altLang="zh-TW" dirty="0"/>
           </a:p>
         </p:txBody>
       </p:sp>
@@ -4118,7 +4258,27 @@
           <a:bodyPr/>
           <a:lstStyle/>
           <a:p>
-            <a:endParaRPr lang="zh-TW" altLang="zh-TW"/>
+            <a:r>
+              <a:rPr lang="zh-TW" altLang="en-US" dirty="0"/>
+              <a:t>先將要刪除的</a:t>
+            </a:r>
+            <a:r>
+              <a:rPr lang="en-US" altLang="zh-TW" dirty="0"/>
+              <a:t>tuples</a:t>
+            </a:r>
+            <a:r>
+              <a:rPr lang="zh-TW" altLang="en-US" dirty="0"/>
+              <a:t> 做記號 整張表都</a:t>
+            </a:r>
+            <a:r>
+              <a:rPr lang="en-US" altLang="zh-TW" dirty="0"/>
+              <a:t>check</a:t>
+            </a:r>
+            <a:r>
+              <a:rPr lang="zh-TW" altLang="en-US" dirty="0"/>
+              <a:t>完之後才做刪除</a:t>
+            </a:r>
+            <a:endParaRPr lang="zh-TW" altLang="zh-TW" dirty="0"/>
           </a:p>
         </p:txBody>
       </p:sp>
@@ -4847,7 +5007,7 @@
           <a:p>
             <a:pPr lvl="0"/>
             <a:r>
-              <a:rPr lang="en-US" altLang="zh-TW" noProof="0" smtClean="0"/>
+              <a:rPr lang="en-US" altLang="zh-TW" noProof="0"/>
               <a:t>Click to edit Master subtitle style</a:t>
             </a:r>
           </a:p>
@@ -4967,7 +5127,7 @@
           <a:p>
             <a:pPr lvl="0"/>
             <a:r>
-              <a:rPr lang="en-US" altLang="zh-TW" noProof="0" smtClean="0"/>
+              <a:rPr lang="en-US" altLang="zh-TW" noProof="0"/>
               <a:t>Click to edit Master title style</a:t>
             </a:r>
           </a:p>
@@ -5014,10 +5174,9 @@
           <a:lstStyle/>
           <a:p>
             <a:r>
-              <a:rPr lang="zh-TW" altLang="en-US" smtClean="0"/>
+              <a:rPr lang="zh-TW" altLang="en-US"/>
               <a:t>按一下以編輯母片標題樣式</a:t>
             </a:r>
-            <a:endParaRPr lang="zh-TW" altLang="en-US"/>
           </a:p>
         </p:txBody>
       </p:sp>
@@ -5038,38 +5197,37 @@
           <a:p>
             <a:pPr lvl="0"/>
             <a:r>
-              <a:rPr lang="zh-TW" altLang="en-US" smtClean="0"/>
+              <a:rPr lang="zh-TW" altLang="en-US"/>
               <a:t>按一下以編輯母片文字樣式</a:t>
             </a:r>
           </a:p>
           <a:p>
             <a:pPr lvl="1"/>
             <a:r>
-              <a:rPr lang="zh-TW" altLang="en-US" smtClean="0"/>
+              <a:rPr lang="zh-TW" altLang="en-US"/>
               <a:t>第二層</a:t>
             </a:r>
           </a:p>
           <a:p>
             <a:pPr lvl="2"/>
             <a:r>
-              <a:rPr lang="zh-TW" altLang="en-US" smtClean="0"/>
+              <a:rPr lang="zh-TW" altLang="en-US"/>
               <a:t>第三層</a:t>
             </a:r>
           </a:p>
           <a:p>
             <a:pPr lvl="3"/>
             <a:r>
-              <a:rPr lang="zh-TW" altLang="en-US" smtClean="0"/>
+              <a:rPr lang="zh-TW" altLang="en-US"/>
               <a:t>第四層</a:t>
             </a:r>
           </a:p>
           <a:p>
             <a:pPr lvl="4"/>
             <a:r>
-              <a:rPr lang="zh-TW" altLang="en-US" smtClean="0"/>
+              <a:rPr lang="zh-TW" altLang="en-US"/>
               <a:t>第五層</a:t>
             </a:r>
-            <a:endParaRPr lang="zh-TW" altLang="en-US"/>
           </a:p>
         </p:txBody>
       </p:sp>
@@ -5198,10 +5356,9 @@
           <a:lstStyle/>
           <a:p>
             <a:r>
-              <a:rPr lang="zh-TW" altLang="en-US" smtClean="0"/>
+              <a:rPr lang="zh-TW" altLang="en-US"/>
               <a:t>按一下以編輯母片標題樣式</a:t>
             </a:r>
-            <a:endParaRPr lang="zh-TW" altLang="en-US"/>
           </a:p>
         </p:txBody>
       </p:sp>
@@ -5227,38 +5384,37 @@
           <a:p>
             <a:pPr lvl="0"/>
             <a:r>
-              <a:rPr lang="zh-TW" altLang="en-US" smtClean="0"/>
+              <a:rPr lang="zh-TW" altLang="en-US"/>
               <a:t>按一下以編輯母片文字樣式</a:t>
             </a:r>
           </a:p>
           <a:p>
             <a:pPr lvl="1"/>
             <a:r>
-              <a:rPr lang="zh-TW" altLang="en-US" smtClean="0"/>
+              <a:rPr lang="zh-TW" altLang="en-US"/>
               <a:t>第二層</a:t>
             </a:r>
           </a:p>
           <a:p>
             <a:pPr lvl="2"/>
             <a:r>
-              <a:rPr lang="zh-TW" altLang="en-US" smtClean="0"/>
+              <a:rPr lang="zh-TW" altLang="en-US"/>
               <a:t>第三層</a:t>
             </a:r>
           </a:p>
           <a:p>
             <a:pPr lvl="3"/>
             <a:r>
-              <a:rPr lang="zh-TW" altLang="en-US" smtClean="0"/>
+              <a:rPr lang="zh-TW" altLang="en-US"/>
               <a:t>第四層</a:t>
             </a:r>
           </a:p>
           <a:p>
             <a:pPr lvl="4"/>
             <a:r>
-              <a:rPr lang="zh-TW" altLang="en-US" smtClean="0"/>
+              <a:rPr lang="zh-TW" altLang="en-US"/>
               <a:t>第五層</a:t>
             </a:r>
-            <a:endParaRPr lang="zh-TW" altLang="en-US"/>
           </a:p>
         </p:txBody>
       </p:sp>
@@ -5382,10 +5538,9 @@
           <a:lstStyle/>
           <a:p>
             <a:r>
-              <a:rPr lang="zh-TW" altLang="en-US" smtClean="0"/>
+              <a:rPr lang="zh-TW" altLang="en-US"/>
               <a:t>按一下以編輯母片標題樣式</a:t>
             </a:r>
-            <a:endParaRPr lang="zh-TW" altLang="en-US"/>
           </a:p>
         </p:txBody>
       </p:sp>
@@ -5406,38 +5561,37 @@
           <a:p>
             <a:pPr lvl="0"/>
             <a:r>
-              <a:rPr lang="zh-TW" altLang="en-US" smtClean="0"/>
+              <a:rPr lang="zh-TW" altLang="en-US"/>
               <a:t>按一下以編輯母片文字樣式</a:t>
             </a:r>
           </a:p>
           <a:p>
             <a:pPr lvl="1"/>
             <a:r>
-              <a:rPr lang="zh-TW" altLang="en-US" smtClean="0"/>
+              <a:rPr lang="zh-TW" altLang="en-US"/>
               <a:t>第二層</a:t>
             </a:r>
           </a:p>
           <a:p>
             <a:pPr lvl="2"/>
             <a:r>
-              <a:rPr lang="zh-TW" altLang="en-US" smtClean="0"/>
+              <a:rPr lang="zh-TW" altLang="en-US"/>
               <a:t>第三層</a:t>
             </a:r>
           </a:p>
           <a:p>
             <a:pPr lvl="3"/>
             <a:r>
-              <a:rPr lang="zh-TW" altLang="en-US" smtClean="0"/>
+              <a:rPr lang="zh-TW" altLang="en-US"/>
               <a:t>第四層</a:t>
             </a:r>
           </a:p>
           <a:p>
             <a:pPr lvl="4"/>
             <a:r>
-              <a:rPr lang="zh-TW" altLang="en-US" smtClean="0"/>
+              <a:rPr lang="zh-TW" altLang="en-US"/>
               <a:t>第五層</a:t>
             </a:r>
-            <a:endParaRPr lang="zh-TW" altLang="en-US"/>
           </a:p>
         </p:txBody>
       </p:sp>
@@ -5570,10 +5724,9 @@
           </a:lstStyle>
           <a:p>
             <a:r>
-              <a:rPr lang="zh-TW" altLang="en-US" smtClean="0"/>
+              <a:rPr lang="zh-TW" altLang="en-US"/>
               <a:t>按一下以編輯母片標題樣式</a:t>
             </a:r>
-            <a:endParaRPr lang="zh-TW" altLang="en-US"/>
           </a:p>
         </p:txBody>
       </p:sp>
@@ -5636,7 +5789,7 @@
           <a:p>
             <a:pPr lvl="0"/>
             <a:r>
-              <a:rPr lang="zh-TW" altLang="en-US" smtClean="0"/>
+              <a:rPr lang="zh-TW" altLang="en-US"/>
               <a:t>按一下以編輯母片文字樣式</a:t>
             </a:r>
           </a:p>
@@ -5762,10 +5915,9 @@
           <a:lstStyle/>
           <a:p>
             <a:r>
-              <a:rPr lang="zh-TW" altLang="en-US" smtClean="0"/>
+              <a:rPr lang="zh-TW" altLang="en-US"/>
               <a:t>按一下以編輯母片標題樣式</a:t>
             </a:r>
-            <a:endParaRPr lang="zh-TW" altLang="en-US"/>
           </a:p>
         </p:txBody>
       </p:sp>
@@ -5819,38 +5971,37 @@
           <a:p>
             <a:pPr lvl="0"/>
             <a:r>
-              <a:rPr lang="zh-TW" altLang="en-US" smtClean="0"/>
+              <a:rPr lang="zh-TW" altLang="en-US"/>
               <a:t>按一下以編輯母片文字樣式</a:t>
             </a:r>
           </a:p>
           <a:p>
             <a:pPr lvl="1"/>
             <a:r>
-              <a:rPr lang="zh-TW" altLang="en-US" smtClean="0"/>
+              <a:rPr lang="zh-TW" altLang="en-US"/>
               <a:t>第二層</a:t>
             </a:r>
           </a:p>
           <a:p>
             <a:pPr lvl="2"/>
             <a:r>
-              <a:rPr lang="zh-TW" altLang="en-US" smtClean="0"/>
+              <a:rPr lang="zh-TW" altLang="en-US"/>
               <a:t>第三層</a:t>
             </a:r>
           </a:p>
           <a:p>
             <a:pPr lvl="3"/>
             <a:r>
-              <a:rPr lang="zh-TW" altLang="en-US" smtClean="0"/>
+              <a:rPr lang="zh-TW" altLang="en-US"/>
               <a:t>第四層</a:t>
             </a:r>
           </a:p>
           <a:p>
             <a:pPr lvl="4"/>
             <a:r>
-              <a:rPr lang="zh-TW" altLang="en-US" smtClean="0"/>
+              <a:rPr lang="zh-TW" altLang="en-US"/>
               <a:t>第五層</a:t>
             </a:r>
-            <a:endParaRPr lang="zh-TW" altLang="en-US"/>
           </a:p>
         </p:txBody>
       </p:sp>
@@ -5904,38 +6055,37 @@
           <a:p>
             <a:pPr lvl="0"/>
             <a:r>
-              <a:rPr lang="zh-TW" altLang="en-US" smtClean="0"/>
+              <a:rPr lang="zh-TW" altLang="en-US"/>
               <a:t>按一下以編輯母片文字樣式</a:t>
             </a:r>
           </a:p>
           <a:p>
             <a:pPr lvl="1"/>
             <a:r>
-              <a:rPr lang="zh-TW" altLang="en-US" smtClean="0"/>
+              <a:rPr lang="zh-TW" altLang="en-US"/>
               <a:t>第二層</a:t>
             </a:r>
           </a:p>
           <a:p>
             <a:pPr lvl="2"/>
             <a:r>
-              <a:rPr lang="zh-TW" altLang="en-US" smtClean="0"/>
+              <a:rPr lang="zh-TW" altLang="en-US"/>
               <a:t>第三層</a:t>
             </a:r>
           </a:p>
           <a:p>
             <a:pPr lvl="3"/>
             <a:r>
-              <a:rPr lang="zh-TW" altLang="en-US" smtClean="0"/>
+              <a:rPr lang="zh-TW" altLang="en-US"/>
               <a:t>第四層</a:t>
             </a:r>
           </a:p>
           <a:p>
             <a:pPr lvl="4"/>
             <a:r>
-              <a:rPr lang="zh-TW" altLang="en-US" smtClean="0"/>
+              <a:rPr lang="zh-TW" altLang="en-US"/>
               <a:t>第五層</a:t>
             </a:r>
-            <a:endParaRPr lang="zh-TW" altLang="en-US"/>
           </a:p>
         </p:txBody>
       </p:sp>
@@ -6068,10 +6218,9 @@
           </a:lstStyle>
           <a:p>
             <a:r>
-              <a:rPr lang="zh-TW" altLang="en-US" smtClean="0"/>
+              <a:rPr lang="zh-TW" altLang="en-US"/>
               <a:t>按一下以編輯母片標題樣式</a:t>
             </a:r>
-            <a:endParaRPr lang="zh-TW" altLang="en-US"/>
           </a:p>
         </p:txBody>
       </p:sp>
@@ -6134,7 +6283,7 @@
           <a:p>
             <a:pPr lvl="0"/>
             <a:r>
-              <a:rPr lang="zh-TW" altLang="en-US" smtClean="0"/>
+              <a:rPr lang="zh-TW" altLang="en-US"/>
               <a:t>按一下以編輯母片文字樣式</a:t>
             </a:r>
           </a:p>
@@ -6190,38 +6339,37 @@
           <a:p>
             <a:pPr lvl="0"/>
             <a:r>
-              <a:rPr lang="zh-TW" altLang="en-US" smtClean="0"/>
+              <a:rPr lang="zh-TW" altLang="en-US"/>
               <a:t>按一下以編輯母片文字樣式</a:t>
             </a:r>
           </a:p>
           <a:p>
             <a:pPr lvl="1"/>
             <a:r>
-              <a:rPr lang="zh-TW" altLang="en-US" smtClean="0"/>
+              <a:rPr lang="zh-TW" altLang="en-US"/>
               <a:t>第二層</a:t>
             </a:r>
           </a:p>
           <a:p>
             <a:pPr lvl="2"/>
             <a:r>
-              <a:rPr lang="zh-TW" altLang="en-US" smtClean="0"/>
+              <a:rPr lang="zh-TW" altLang="en-US"/>
               <a:t>第三層</a:t>
             </a:r>
           </a:p>
           <a:p>
             <a:pPr lvl="3"/>
             <a:r>
-              <a:rPr lang="zh-TW" altLang="en-US" smtClean="0"/>
+              <a:rPr lang="zh-TW" altLang="en-US"/>
               <a:t>第四層</a:t>
             </a:r>
           </a:p>
           <a:p>
             <a:pPr lvl="4"/>
             <a:r>
-              <a:rPr lang="zh-TW" altLang="en-US" smtClean="0"/>
+              <a:rPr lang="zh-TW" altLang="en-US"/>
               <a:t>第五層</a:t>
             </a:r>
-            <a:endParaRPr lang="zh-TW" altLang="en-US"/>
           </a:p>
         </p:txBody>
       </p:sp>
@@ -6284,7 +6432,7 @@
           <a:p>
             <a:pPr lvl="0"/>
             <a:r>
-              <a:rPr lang="zh-TW" altLang="en-US" smtClean="0"/>
+              <a:rPr lang="zh-TW" altLang="en-US"/>
               <a:t>按一下以編輯母片文字樣式</a:t>
             </a:r>
           </a:p>
@@ -6340,38 +6488,37 @@
           <a:p>
             <a:pPr lvl="0"/>
             <a:r>
-              <a:rPr lang="zh-TW" altLang="en-US" smtClean="0"/>
+              <a:rPr lang="zh-TW" altLang="en-US"/>
               <a:t>按一下以編輯母片文字樣式</a:t>
             </a:r>
           </a:p>
           <a:p>
             <a:pPr lvl="1"/>
             <a:r>
-              <a:rPr lang="zh-TW" altLang="en-US" smtClean="0"/>
+              <a:rPr lang="zh-TW" altLang="en-US"/>
               <a:t>第二層</a:t>
             </a:r>
           </a:p>
           <a:p>
             <a:pPr lvl="2"/>
             <a:r>
-              <a:rPr lang="zh-TW" altLang="en-US" smtClean="0"/>
+              <a:rPr lang="zh-TW" altLang="en-US"/>
               <a:t>第三層</a:t>
             </a:r>
           </a:p>
           <a:p>
             <a:pPr lvl="3"/>
             <a:r>
-              <a:rPr lang="zh-TW" altLang="en-US" smtClean="0"/>
+              <a:rPr lang="zh-TW" altLang="en-US"/>
               <a:t>第四層</a:t>
             </a:r>
           </a:p>
           <a:p>
             <a:pPr lvl="4"/>
             <a:r>
-              <a:rPr lang="zh-TW" altLang="en-US" smtClean="0"/>
+              <a:rPr lang="zh-TW" altLang="en-US"/>
               <a:t>第五層</a:t>
             </a:r>
-            <a:endParaRPr lang="zh-TW" altLang="en-US"/>
           </a:p>
         </p:txBody>
       </p:sp>
@@ -6495,10 +6642,9 @@
           <a:lstStyle/>
           <a:p>
             <a:r>
-              <a:rPr lang="zh-TW" altLang="en-US" smtClean="0"/>
+              <a:rPr lang="zh-TW" altLang="en-US"/>
               <a:t>按一下以編輯母片標題樣式</a:t>
             </a:r>
-            <a:endParaRPr lang="zh-TW" altLang="en-US"/>
           </a:p>
         </p:txBody>
       </p:sp>
@@ -6735,10 +6881,9 @@
           </a:lstStyle>
           <a:p>
             <a:r>
-              <a:rPr lang="zh-TW" altLang="en-US" smtClean="0"/>
+              <a:rPr lang="zh-TW" altLang="en-US"/>
               <a:t>按一下以編輯母片標題樣式</a:t>
             </a:r>
-            <a:endParaRPr lang="zh-TW" altLang="en-US"/>
           </a:p>
         </p:txBody>
       </p:sp>
@@ -6792,38 +6937,37 @@
           <a:p>
             <a:pPr lvl="0"/>
             <a:r>
-              <a:rPr lang="zh-TW" altLang="en-US" smtClean="0"/>
+              <a:rPr lang="zh-TW" altLang="en-US"/>
               <a:t>按一下以編輯母片文字樣式</a:t>
             </a:r>
           </a:p>
           <a:p>
             <a:pPr lvl="1"/>
             <a:r>
-              <a:rPr lang="zh-TW" altLang="en-US" smtClean="0"/>
+              <a:rPr lang="zh-TW" altLang="en-US"/>
               <a:t>第二層</a:t>
             </a:r>
           </a:p>
           <a:p>
             <a:pPr lvl="2"/>
             <a:r>
-              <a:rPr lang="zh-TW" altLang="en-US" smtClean="0"/>
+              <a:rPr lang="zh-TW" altLang="en-US"/>
               <a:t>第三層</a:t>
             </a:r>
           </a:p>
           <a:p>
             <a:pPr lvl="3"/>
             <a:r>
-              <a:rPr lang="zh-TW" altLang="en-US" smtClean="0"/>
+              <a:rPr lang="zh-TW" altLang="en-US"/>
               <a:t>第四層</a:t>
             </a:r>
           </a:p>
           <a:p>
             <a:pPr lvl="4"/>
             <a:r>
-              <a:rPr lang="zh-TW" altLang="en-US" smtClean="0"/>
+              <a:rPr lang="zh-TW" altLang="en-US"/>
               <a:t>第五層</a:t>
             </a:r>
-            <a:endParaRPr lang="zh-TW" altLang="en-US"/>
           </a:p>
         </p:txBody>
       </p:sp>
@@ -6886,7 +7030,7 @@
           <a:p>
             <a:pPr lvl="0"/>
             <a:r>
-              <a:rPr lang="zh-TW" altLang="en-US" smtClean="0"/>
+              <a:rPr lang="zh-TW" altLang="en-US"/>
               <a:t>按一下以編輯母片文字樣式</a:t>
             </a:r>
           </a:p>
@@ -7021,10 +7165,9 @@
           </a:lstStyle>
           <a:p>
             <a:r>
-              <a:rPr lang="zh-TW" altLang="en-US" smtClean="0"/>
+              <a:rPr lang="zh-TW" altLang="en-US"/>
               <a:t>按一下以編輯母片標題樣式</a:t>
             </a:r>
-            <a:endParaRPr lang="zh-TW" altLang="en-US"/>
           </a:p>
         </p:txBody>
       </p:sp>
@@ -7148,7 +7291,7 @@
           <a:p>
             <a:pPr lvl="0"/>
             <a:r>
-              <a:rPr lang="zh-TW" altLang="en-US" smtClean="0"/>
+              <a:rPr lang="zh-TW" altLang="en-US"/>
               <a:t>按一下以編輯母片文字樣式</a:t>
             </a:r>
           </a:p>
@@ -7332,7 +7475,7 @@
           <a:p>
             <a:pPr lvl="0"/>
             <a:r>
-              <a:rPr lang="en-US" altLang="zh-TW" smtClean="0"/>
+              <a:rPr lang="en-US" altLang="zh-TW"/>
               <a:t>Click to edit Master title style</a:t>
             </a:r>
           </a:p>
@@ -7400,35 +7543,35 @@
           <a:p>
             <a:pPr lvl="0"/>
             <a:r>
-              <a:rPr lang="en-US" altLang="zh-TW" smtClean="0"/>
+              <a:rPr lang="en-US" altLang="zh-TW"/>
               <a:t> Click to edit Master text styles</a:t>
             </a:r>
           </a:p>
           <a:p>
             <a:pPr lvl="1"/>
             <a:r>
-              <a:rPr lang="en-US" altLang="zh-TW" smtClean="0"/>
+              <a:rPr lang="en-US" altLang="zh-TW"/>
               <a:t> Second level</a:t>
             </a:r>
           </a:p>
           <a:p>
             <a:pPr lvl="2"/>
             <a:r>
-              <a:rPr lang="en-US" altLang="zh-TW" smtClean="0"/>
+              <a:rPr lang="en-US" altLang="zh-TW"/>
               <a:t> Third level</a:t>
             </a:r>
           </a:p>
           <a:p>
             <a:pPr lvl="3"/>
             <a:r>
-              <a:rPr lang="en-US" altLang="zh-TW" smtClean="0"/>
+              <a:rPr lang="en-US" altLang="zh-TW"/>
               <a:t> Fourth level</a:t>
             </a:r>
           </a:p>
           <a:p>
             <a:pPr lvl="4"/>
             <a:r>
-              <a:rPr lang="en-US" altLang="zh-TW" smtClean="0"/>
+              <a:rPr lang="en-US" altLang="zh-TW"/>
               <a:t> Fifth level</a:t>
             </a:r>
           </a:p>
@@ -8247,13 +8390,6 @@
   <p:clrMapOvr>
     <a:masterClrMapping/>
   </p:clrMapOvr>
-  <p:timing>
-    <p:tnLst>
-      <p:par>
-        <p:cTn id="1" dur="indefinite" restart="never" nodeType="tmRoot"/>
-      </p:par>
-    </p:tnLst>
-  </p:timing>
 </p:sld>
 </file>
 
@@ -8446,17 +8582,8 @@
               <a:rPr lang="en-US" altLang="zh-TW" sz="2800" dirty="0">
                 <a:latin typeface="Courier New" pitchFamily="49" charset="0"/>
               </a:rPr>
-              <a:t>		(SELECT drinker FROM Likes</a:t>
-            </a:r>
-            <a:r>
-              <a:rPr lang="en-US" altLang="zh-TW" sz="2800" dirty="0" smtClean="0">
-                <a:latin typeface="Courier New" pitchFamily="49" charset="0"/>
-              </a:rPr>
-              <a:t>);</a:t>
-            </a:r>
-            <a:endParaRPr lang="en-US" altLang="zh-TW" sz="2800" dirty="0">
-              <a:latin typeface="Courier New" pitchFamily="49" charset="0"/>
-            </a:endParaRPr>
+              <a:t>		(SELECT drinker FROM Likes);</a:t>
+            </a:r>
           </a:p>
         </p:txBody>
       </p:sp>
@@ -8465,13 +8592,6 @@
   <p:clrMapOvr>
     <a:masterClrMapping/>
   </p:clrMapOvr>
-  <p:timing>
-    <p:tnLst>
-      <p:par>
-        <p:cTn id="1" dur="indefinite" restart="never" nodeType="tmRoot"/>
-      </p:par>
-    </p:tnLst>
-  </p:timing>
 </p:sld>
 </file>
 
@@ -8685,13 +8805,6 @@
   <p:clrMapOvr>
     <a:masterClrMapping/>
   </p:clrMapOvr>
-  <p:timing>
-    <p:tnLst>
-      <p:par>
-        <p:cTn id="1" dur="indefinite" restart="never" nodeType="tmRoot"/>
-      </p:par>
-    </p:tnLst>
-  </p:timing>
 </p:sld>
 </file>
 
@@ -8965,46 +9078,16 @@
           <a:p>
             <a:pPr eaLnBrk="0" hangingPunct="0"/>
             <a:r>
-              <a:rPr lang="en-US" altLang="zh-TW" dirty="0" err="1" smtClean="0">
+              <a:rPr lang="en-US" altLang="zh-TW" dirty="0" err="1">
                 <a:latin typeface="Tahoma" pitchFamily="34" charset="0"/>
               </a:rPr>
               <a:t>Freq</a:t>
-            </a:r>
-            <a:r>
-              <a:rPr lang="en-US" altLang="zh-TW" dirty="0" smtClean="0">
-                <a:latin typeface="Tahoma" pitchFamily="34" charset="0"/>
-              </a:rPr>
-              <a:t> </a:t>
             </a:r>
             <a:r>
               <a:rPr lang="en-US" altLang="zh-TW" dirty="0">
                 <a:latin typeface="Tahoma" pitchFamily="34" charset="0"/>
               </a:rPr>
-              <a:t>(  drinker      bar	 )  	</a:t>
-            </a:r>
-            <a:r>
-              <a:rPr lang="en-US" altLang="zh-TW" dirty="0" smtClean="0">
-                <a:latin typeface="Tahoma" pitchFamily="34" charset="0"/>
-              </a:rPr>
-              <a:t>Like(   </a:t>
-            </a:r>
-            <a:r>
-              <a:rPr lang="en-US" altLang="zh-TW" dirty="0">
-                <a:latin typeface="Tahoma" pitchFamily="34" charset="0"/>
-              </a:rPr>
-              <a:t>drinker        </a:t>
-            </a:r>
-            <a:r>
-              <a:rPr lang="en-US" altLang="zh-TW" dirty="0" smtClean="0">
-                <a:latin typeface="Tahoma" pitchFamily="34" charset="0"/>
-              </a:rPr>
-              <a:t>A       </a:t>
-            </a:r>
-            <a:r>
-              <a:rPr lang="en-US" altLang="zh-TW" dirty="0">
-                <a:latin typeface="Tahoma" pitchFamily="34" charset="0"/>
-              </a:rPr>
-              <a:t>)</a:t>
+              <a:t> (  drinker      bar	 )  	Like(   drinker        A       )</a:t>
             </a:r>
           </a:p>
           <a:p>
@@ -9023,7 +9106,7 @@
               <a:t>王建民   </a:t>
             </a:r>
             <a:r>
-              <a:rPr lang="en-US" altLang="zh-TW" dirty="0" smtClean="0">
+              <a:rPr lang="en-US" altLang="zh-TW" dirty="0">
                 <a:latin typeface="標楷體" pitchFamily="65" charset="-120"/>
                 <a:ea typeface="標楷體" pitchFamily="65" charset="-120"/>
               </a:rPr>
@@ -9034,24 +9117,14 @@
                 <a:latin typeface="標楷體" pitchFamily="65" charset="-120"/>
                 <a:ea typeface="標楷體" pitchFamily="65" charset="-120"/>
               </a:rPr>
-              <a:t>	       	</a:t>
-            </a:r>
-            <a:r>
-              <a:rPr lang="zh-TW" altLang="en-US" dirty="0" smtClean="0">
-                <a:latin typeface="標楷體" pitchFamily="65" charset="-120"/>
+              <a:t>	       	      王建民    </a:t>
+            </a:r>
+            <a:r>
+              <a:rPr lang="en-US" altLang="zh-TW" dirty="0">
                 <a:ea typeface="標楷體" pitchFamily="65" charset="-120"/>
               </a:rPr>
-              <a:t>      王建民    </a:t>
-            </a:r>
-            <a:r>
-              <a:rPr lang="en-US" altLang="zh-TW" dirty="0" smtClean="0">
-                <a:ea typeface="標楷體" pitchFamily="65" charset="-120"/>
-              </a:rPr>
               <a:t>TB</a:t>
             </a:r>
-            <a:endParaRPr lang="en-US" altLang="zh-TW" dirty="0">
-              <a:ea typeface="標楷體" pitchFamily="65" charset="-120"/>
-            </a:endParaRPr>
           </a:p>
           <a:p>
             <a:pPr eaLnBrk="0" hangingPunct="0"/>
@@ -9070,7 +9143,7 @@
               <a:t>王建民   </a:t>
             </a:r>
             <a:r>
-              <a:rPr lang="en-US" altLang="zh-TW" dirty="0" err="1" smtClean="0">
+              <a:rPr lang="en-US" altLang="zh-TW" dirty="0" err="1">
                 <a:latin typeface="標楷體" pitchFamily="65" charset="-120"/>
                 <a:ea typeface="標楷體" pitchFamily="65" charset="-120"/>
               </a:rPr>
@@ -9081,17 +9154,10 @@
                 <a:latin typeface="標楷體" pitchFamily="65" charset="-120"/>
                 <a:ea typeface="標楷體" pitchFamily="65" charset="-120"/>
               </a:rPr>
-              <a:t>		      </a:t>
-            </a:r>
-            <a:r>
-              <a:rPr lang="zh-TW" altLang="en-US" dirty="0" smtClean="0">
-                <a:latin typeface="標楷體" pitchFamily="65" charset="-120"/>
-                <a:ea typeface="標楷體" pitchFamily="65" charset="-120"/>
-              </a:rPr>
-              <a:t>      王建民    </a:t>
-            </a:r>
-            <a:r>
-              <a:rPr lang="en-US" altLang="zh-TW" smtClean="0"/>
+              <a:t>		            王建民    </a:t>
+            </a:r>
+            <a:r>
+              <a:rPr lang="en-US" altLang="zh-TW"/>
               <a:t>H</a:t>
             </a:r>
             <a:endParaRPr lang="en-US" altLang="zh-TW" dirty="0"/>
@@ -9113,7 +9179,7 @@
               <a:t>王建民   </a:t>
             </a:r>
             <a:r>
-              <a:rPr lang="en-US" altLang="zh-TW" dirty="0" smtClean="0">
+              <a:rPr lang="en-US" altLang="zh-TW" dirty="0">
                 <a:latin typeface="標楷體" pitchFamily="65" charset="-120"/>
                 <a:ea typeface="標楷體" pitchFamily="65" charset="-120"/>
               </a:rPr>
@@ -9141,7 +9207,7 @@
               <a:t>      </a:t>
             </a:r>
             <a:r>
-              <a:rPr lang="en-US" altLang="zh-TW" dirty="0" smtClean="0">
+              <a:rPr lang="en-US" altLang="zh-TW" dirty="0">
                 <a:latin typeface="Tahoma" pitchFamily="34" charset="0"/>
               </a:rPr>
               <a:t>16</a:t>
@@ -9453,13 +9519,6 @@
   <p:clrMapOvr>
     <a:masterClrMapping/>
   </p:clrMapOvr>
-  <p:timing>
-    <p:tnLst>
-      <p:par>
-        <p:cTn id="1" dur="indefinite" restart="never" nodeType="tmRoot"/>
-      </p:par>
-    </p:tnLst>
-  </p:timing>
 </p:sld>
 </file>
 
@@ -9636,13 +9695,6 @@
   <p:clrMapOvr>
     <a:masterClrMapping/>
   </p:clrMapOvr>
-  <p:timing>
-    <p:tnLst>
-      <p:par>
-        <p:cTn id="1" dur="indefinite" restart="never" nodeType="tmRoot"/>
-      </p:par>
-    </p:tnLst>
-  </p:timing>
 </p:sld>
 </file>
 
@@ -9827,13 +9879,6 @@
   <p:clrMapOvr>
     <a:masterClrMapping/>
   </p:clrMapOvr>
-  <p:timing>
-    <p:tnLst>
-      <p:par>
-        <p:cTn id="1" dur="indefinite" restart="never" nodeType="tmRoot"/>
-      </p:par>
-    </p:tnLst>
-  </p:timing>
 </p:sld>
 </file>
 
@@ -10130,13 +10175,6 @@
   <p:clrMapOvr>
     <a:masterClrMapping/>
   </p:clrMapOvr>
-  <p:timing>
-    <p:tnLst>
-      <p:par>
-        <p:cTn id="1" dur="indefinite" restart="never" nodeType="tmRoot"/>
-      </p:par>
-    </p:tnLst>
-  </p:timing>
 </p:sld>
 </file>
 
@@ -10346,13 +10384,6 @@
   <p:clrMapOvr>
     <a:masterClrMapping/>
   </p:clrMapOvr>
-  <p:timing>
-    <p:tnLst>
-      <p:par>
-        <p:cTn id="1" dur="indefinite" restart="never" nodeType="tmRoot"/>
-      </p:par>
-    </p:tnLst>
-  </p:timing>
 </p:sld>
 </file>
 
@@ -10485,13 +10516,6 @@
   <p:clrMapOvr>
     <a:masterClrMapping/>
   </p:clrMapOvr>
-  <p:timing>
-    <p:tnLst>
-      <p:par>
-        <p:cTn id="1" dur="indefinite" restart="never" nodeType="tmRoot"/>
-      </p:par>
-    </p:tnLst>
-  </p:timing>
 </p:sld>
 </file>
 
@@ -10731,13 +10755,6 @@
   <p:clrMapOvr>
     <a:masterClrMapping/>
   </p:clrMapOvr>
-  <p:timing>
-    <p:tnLst>
-      <p:par>
-        <p:cTn id="1" dur="indefinite" restart="never" nodeType="tmRoot"/>
-      </p:par>
-    </p:tnLst>
-  </p:timing>
 </p:sld>
 </file>
 
@@ -10991,13 +11008,6 @@
   <p:clrMapOvr>
     <a:masterClrMapping/>
   </p:clrMapOvr>
-  <p:timing>
-    <p:tnLst>
-      <p:par>
-        <p:cTn id="1" dur="indefinite" restart="never" nodeType="tmRoot"/>
-      </p:par>
-    </p:tnLst>
-  </p:timing>
 </p:sld>
 </file>
 
@@ -11161,13 +11171,6 @@
   <p:clrMapOvr>
     <a:masterClrMapping/>
   </p:clrMapOvr>
-  <p:timing>
-    <p:tnLst>
-      <p:par>
-        <p:cTn id="1" dur="indefinite" restart="never" nodeType="tmRoot"/>
-      </p:par>
-    </p:tnLst>
-  </p:timing>
 </p:sld>
 </file>
 
@@ -11327,13 +11330,6 @@
   <p:clrMapOvr>
     <a:masterClrMapping/>
   </p:clrMapOvr>
-  <p:timing>
-    <p:tnLst>
-      <p:par>
-        <p:cTn id="1" dur="indefinite" restart="never" nodeType="tmRoot"/>
-      </p:par>
-    </p:tnLst>
-  </p:timing>
 </p:sld>
 </file>
 
@@ -11952,13 +11948,18 @@
   <p:clrMapOvr>
     <a:masterClrMapping/>
   </p:clrMapOvr>
-  <p:timing>
-    <p:tnLst>
-      <p:par>
-        <p:cTn id="1" dur="indefinite" restart="never" nodeType="tmRoot"/>
-      </p:par>
-    </p:tnLst>
-  </p:timing>
+  <mc:AlternateContent xmlns:mc="http://schemas.openxmlformats.org/markup-compatibility/2006">
+    <mc:Choice xmlns:p159="http://schemas.microsoft.com/office/powerpoint/2015/09/main" Requires="p159">
+      <p:transition xmlns:p14="http://schemas.microsoft.com/office/powerpoint/2010/main" spd="slow" p14:dur="2000">
+        <p159:morph option="byObject"/>
+      </p:transition>
+    </mc:Choice>
+    <mc:Fallback>
+      <p:transition spd="slow">
+        <p:fade/>
+      </p:transition>
+    </mc:Fallback>
+  </mc:AlternateContent>
 </p:sld>
 </file>
 
@@ -12080,13 +12081,6 @@
   <p:clrMapOvr>
     <a:masterClrMapping/>
   </p:clrMapOvr>
-  <p:timing>
-    <p:tnLst>
-      <p:par>
-        <p:cTn id="1" dur="indefinite" restart="never" nodeType="tmRoot"/>
-      </p:par>
-    </p:tnLst>
-  </p:timing>
 </p:sld>
 </file>
 
@@ -12307,13 +12301,6 @@
   <p:clrMapOvr>
     <a:masterClrMapping/>
   </p:clrMapOvr>
-  <p:timing>
-    <p:tnLst>
-      <p:par>
-        <p:cTn id="1" dur="indefinite" restart="never" nodeType="tmRoot"/>
-      </p:par>
-    </p:tnLst>
-  </p:timing>
 </p:sld>
 </file>
 
@@ -12502,11 +12489,11 @@
           <a:lstStyle/>
           <a:p>
             <a:r>
-              <a:rPr lang="en-US" altLang="zh-TW" sz="2800"/>
+              <a:rPr lang="en-US" altLang="zh-TW" sz="2800" dirty="0"/>
               <a:t>From </a:t>
             </a:r>
             <a:r>
-              <a:rPr lang="en-US" altLang="zh-TW" sz="2800">
+              <a:rPr lang="en-US" altLang="zh-TW" sz="2800" dirty="0">
                 <a:solidFill>
                   <a:srgbClr val="0000FF"/>
                 </a:solidFill>
@@ -12514,11 +12501,11 @@
               <a:t>Sells(bar, alcohol, price)</a:t>
             </a:r>
             <a:r>
-              <a:rPr lang="en-US" altLang="zh-TW" sz="2800"/>
+              <a:rPr lang="en-US" altLang="zh-TW" sz="2800" dirty="0"/>
               <a:t> and </a:t>
             </a:r>
             <a:r>
-              <a:rPr lang="en-US" altLang="zh-TW" sz="2800">
+              <a:rPr lang="en-US" altLang="zh-TW" sz="2800" dirty="0">
                 <a:solidFill>
                   <a:srgbClr val="0000FF"/>
                 </a:solidFill>
@@ -12526,17 +12513,17 @@
               <a:t>Frequents(drinker, bar)</a:t>
             </a:r>
             <a:r>
-              <a:rPr lang="en-US" altLang="zh-TW" sz="2800"/>
+              <a:rPr lang="en-US" altLang="zh-TW" sz="2800" dirty="0"/>
               <a:t>, find for each drinker the average price of TB</a:t>
             </a:r>
             <a:r>
-              <a:rPr lang="zh-TW" altLang="en-US" sz="2800">
+              <a:rPr lang="zh-TW" altLang="en-US" sz="2800" dirty="0">
                 <a:ea typeface="標楷體" pitchFamily="65" charset="-120"/>
               </a:rPr>
               <a:t>台啤 </a:t>
             </a:r>
             <a:r>
-              <a:rPr lang="en-US" altLang="zh-TW" sz="2800"/>
+              <a:rPr lang="en-US" altLang="zh-TW" sz="2800" dirty="0"/>
               <a:t>at the bars they frequent:</a:t>
             </a:r>
           </a:p>
@@ -12546,7 +12533,7 @@
               <a:buNone/>
             </a:pPr>
             <a:r>
-              <a:rPr lang="en-US" altLang="zh-TW" sz="2800"/>
+              <a:rPr lang="en-US" altLang="zh-TW" sz="2800" dirty="0"/>
               <a:t>		SELECT drinker, AVG(price)</a:t>
             </a:r>
           </a:p>
@@ -12556,7 +12543,7 @@
               <a:buNone/>
             </a:pPr>
             <a:r>
-              <a:rPr lang="en-US" altLang="zh-TW" sz="2800"/>
+              <a:rPr lang="en-US" altLang="zh-TW" sz="2800" dirty="0"/>
               <a:t>		FROM Frequents, Sells</a:t>
             </a:r>
           </a:p>
@@ -12566,37 +12553,37 @@
               <a:buNone/>
             </a:pPr>
             <a:r>
-              <a:rPr lang="en-US" altLang="zh-TW" sz="2800"/>
+              <a:rPr lang="en-US" altLang="zh-TW" sz="2800" dirty="0"/>
               <a:t>		WHERE alcohol = </a:t>
             </a:r>
             <a:r>
-              <a:rPr lang="en-US" altLang="zh-TW" sz="2800">
+              <a:rPr lang="en-US" altLang="zh-TW" sz="2800" dirty="0">
                 <a:latin typeface="Tahoma"/>
               </a:rPr>
               <a:t>‘</a:t>
             </a:r>
             <a:r>
-              <a:rPr lang="en-US" altLang="zh-TW" sz="2800"/>
+              <a:rPr lang="en-US" altLang="zh-TW" sz="2800" dirty="0"/>
               <a:t>TB</a:t>
             </a:r>
             <a:r>
-              <a:rPr lang="zh-TW" altLang="en-US" sz="2800">
+              <a:rPr lang="zh-TW" altLang="en-US" sz="2800" dirty="0">
                 <a:ea typeface="標楷體" pitchFamily="65" charset="-120"/>
               </a:rPr>
               <a:t>台啤</a:t>
             </a:r>
             <a:r>
-              <a:rPr lang="zh-TW" altLang="en-US" sz="2800">
+              <a:rPr lang="zh-TW" altLang="en-US" sz="2800" dirty="0">
                 <a:latin typeface="Tahoma"/>
               </a:rPr>
               <a:t>’</a:t>
             </a:r>
             <a:r>
-              <a:rPr lang="zh-TW" altLang="en-US" sz="2800"/>
+              <a:rPr lang="zh-TW" altLang="en-US" sz="2800" dirty="0"/>
               <a:t> </a:t>
             </a:r>
             <a:r>
-              <a:rPr lang="en-US" altLang="zh-TW" sz="2800"/>
+              <a:rPr lang="en-US" altLang="zh-TW" sz="2800" dirty="0"/>
               <a:t>AND</a:t>
             </a:r>
           </a:p>
@@ -12606,9 +12593,22 @@
               <a:buNone/>
             </a:pPr>
             <a:r>
-              <a:rPr lang="en-US" altLang="zh-TW" sz="2800"/>
-              <a:t>			Frequents.bar = Sells.bar</a:t>
-            </a:r>
+              <a:rPr lang="en-US" altLang="zh-TW" sz="2800" dirty="0"/>
+              <a:t>			</a:t>
+            </a:r>
+            <a:r>
+              <a:rPr lang="en-US" altLang="zh-TW" sz="2800" dirty="0" err="1"/>
+              <a:t>Frequents.bar</a:t>
+            </a:r>
+            <a:r>
+              <a:rPr lang="en-US" altLang="zh-TW" sz="2800" dirty="0"/>
+              <a:t> = </a:t>
+            </a:r>
+            <a:r>
+              <a:rPr lang="en-US" altLang="zh-TW" sz="2800" dirty="0" err="1"/>
+              <a:t>Sells.bar</a:t>
+            </a:r>
+            <a:endParaRPr lang="en-US" altLang="zh-TW" sz="2800" dirty="0"/>
           </a:p>
           <a:p>
             <a:pPr>
@@ -12616,7 +12616,7 @@
               <a:buNone/>
             </a:pPr>
             <a:r>
-              <a:rPr lang="en-US" altLang="zh-TW" sz="2800"/>
+              <a:rPr lang="en-US" altLang="zh-TW" sz="2800" dirty="0"/>
               <a:t>		GROUP BY drinker;</a:t>
             </a:r>
           </a:p>
@@ -12794,7 +12794,203 @@
   <p:timing>
     <p:tnLst>
       <p:par>
-        <p:cTn id="1" dur="indefinite" restart="never" nodeType="tmRoot"/>
+        <p:cTn id="1" dur="indefinite" restart="never" nodeType="tmRoot">
+          <p:childTnLst>
+            <p:seq concurrent="1" nextAc="seek">
+              <p:cTn id="2" dur="indefinite" nodeType="mainSeq">
+                <p:childTnLst>
+                  <p:par>
+                    <p:cTn id="3" fill="hold">
+                      <p:stCondLst>
+                        <p:cond delay="indefinite"/>
+                      </p:stCondLst>
+                      <p:childTnLst>
+                        <p:par>
+                          <p:cTn id="4" fill="hold">
+                            <p:stCondLst>
+                              <p:cond delay="0"/>
+                            </p:stCondLst>
+                            <p:childTnLst>
+                              <p:par>
+                                <p:cTn id="5" presetID="1" presetClass="entr" presetSubtype="0" fill="hold" nodeType="clickEffect">
+                                  <p:stCondLst>
+                                    <p:cond delay="0"/>
+                                  </p:stCondLst>
+                                  <p:childTnLst>
+                                    <p:set>
+                                      <p:cBhvr>
+                                        <p:cTn id="6" dur="1" fill="hold">
+                                          <p:stCondLst>
+                                            <p:cond delay="0"/>
+                                          </p:stCondLst>
+                                        </p:cTn>
+                                        <p:tgtEl>
+                                          <p:spTgt spid="311299">
+                                            <p:txEl>
+                                              <p:pRg st="1" end="1"/>
+                                            </p:txEl>
+                                          </p:spTgt>
+                                        </p:tgtEl>
+                                        <p:attrNameLst>
+                                          <p:attrName>style.visibility</p:attrName>
+                                        </p:attrNameLst>
+                                      </p:cBhvr>
+                                      <p:to>
+                                        <p:strVal val="visible"/>
+                                      </p:to>
+                                    </p:set>
+                                  </p:childTnLst>
+                                </p:cTn>
+                              </p:par>
+                              <p:par>
+                                <p:cTn id="7" presetID="1" presetClass="entr" presetSubtype="0" fill="hold" nodeType="withEffect">
+                                  <p:stCondLst>
+                                    <p:cond delay="0"/>
+                                  </p:stCondLst>
+                                  <p:childTnLst>
+                                    <p:set>
+                                      <p:cBhvr>
+                                        <p:cTn id="8" dur="1" fill="hold">
+                                          <p:stCondLst>
+                                            <p:cond delay="0"/>
+                                          </p:stCondLst>
+                                        </p:cTn>
+                                        <p:tgtEl>
+                                          <p:spTgt spid="311299">
+                                            <p:txEl>
+                                              <p:pRg st="2" end="2"/>
+                                            </p:txEl>
+                                          </p:spTgt>
+                                        </p:tgtEl>
+                                        <p:attrNameLst>
+                                          <p:attrName>style.visibility</p:attrName>
+                                        </p:attrNameLst>
+                                      </p:cBhvr>
+                                      <p:to>
+                                        <p:strVal val="visible"/>
+                                      </p:to>
+                                    </p:set>
+                                  </p:childTnLst>
+                                </p:cTn>
+                              </p:par>
+                              <p:par>
+                                <p:cTn id="9" presetID="1" presetClass="entr" presetSubtype="0" fill="hold" nodeType="withEffect">
+                                  <p:stCondLst>
+                                    <p:cond delay="0"/>
+                                  </p:stCondLst>
+                                  <p:childTnLst>
+                                    <p:set>
+                                      <p:cBhvr>
+                                        <p:cTn id="10" dur="1" fill="hold">
+                                          <p:stCondLst>
+                                            <p:cond delay="0"/>
+                                          </p:stCondLst>
+                                        </p:cTn>
+                                        <p:tgtEl>
+                                          <p:spTgt spid="311299">
+                                            <p:txEl>
+                                              <p:pRg st="3" end="3"/>
+                                            </p:txEl>
+                                          </p:spTgt>
+                                        </p:tgtEl>
+                                        <p:attrNameLst>
+                                          <p:attrName>style.visibility</p:attrName>
+                                        </p:attrNameLst>
+                                      </p:cBhvr>
+                                      <p:to>
+                                        <p:strVal val="visible"/>
+                                      </p:to>
+                                    </p:set>
+                                  </p:childTnLst>
+                                </p:cTn>
+                              </p:par>
+                              <p:par>
+                                <p:cTn id="11" presetID="1" presetClass="entr" presetSubtype="0" fill="hold" nodeType="withEffect">
+                                  <p:stCondLst>
+                                    <p:cond delay="0"/>
+                                  </p:stCondLst>
+                                  <p:childTnLst>
+                                    <p:set>
+                                      <p:cBhvr>
+                                        <p:cTn id="12" dur="1" fill="hold">
+                                          <p:stCondLst>
+                                            <p:cond delay="0"/>
+                                          </p:stCondLst>
+                                        </p:cTn>
+                                        <p:tgtEl>
+                                          <p:spTgt spid="311299">
+                                            <p:txEl>
+                                              <p:pRg st="4" end="4"/>
+                                            </p:txEl>
+                                          </p:spTgt>
+                                        </p:tgtEl>
+                                        <p:attrNameLst>
+                                          <p:attrName>style.visibility</p:attrName>
+                                        </p:attrNameLst>
+                                      </p:cBhvr>
+                                      <p:to>
+                                        <p:strVal val="visible"/>
+                                      </p:to>
+                                    </p:set>
+                                  </p:childTnLst>
+                                </p:cTn>
+                              </p:par>
+                              <p:par>
+                                <p:cTn id="13" presetID="1" presetClass="entr" presetSubtype="0" fill="hold" nodeType="withEffect">
+                                  <p:stCondLst>
+                                    <p:cond delay="0"/>
+                                  </p:stCondLst>
+                                  <p:childTnLst>
+                                    <p:set>
+                                      <p:cBhvr>
+                                        <p:cTn id="14" dur="1" fill="hold">
+                                          <p:stCondLst>
+                                            <p:cond delay="0"/>
+                                          </p:stCondLst>
+                                        </p:cTn>
+                                        <p:tgtEl>
+                                          <p:spTgt spid="311299">
+                                            <p:txEl>
+                                              <p:pRg st="5" end="5"/>
+                                            </p:txEl>
+                                          </p:spTgt>
+                                        </p:tgtEl>
+                                        <p:attrNameLst>
+                                          <p:attrName>style.visibility</p:attrName>
+                                        </p:attrNameLst>
+                                      </p:cBhvr>
+                                      <p:to>
+                                        <p:strVal val="visible"/>
+                                      </p:to>
+                                    </p:set>
+                                  </p:childTnLst>
+                                </p:cTn>
+                              </p:par>
+                            </p:childTnLst>
+                          </p:cTn>
+                        </p:par>
+                      </p:childTnLst>
+                    </p:cTn>
+                  </p:par>
+                </p:childTnLst>
+              </p:cTn>
+              <p:prevCondLst>
+                <p:cond evt="onPrev" delay="0">
+                  <p:tgtEl>
+                    <p:sldTgt/>
+                  </p:tgtEl>
+                </p:cond>
+              </p:prevCondLst>
+              <p:nextCondLst>
+                <p:cond evt="onNext" delay="0">
+                  <p:tgtEl>
+                    <p:sldTgt/>
+                  </p:tgtEl>
+                </p:cond>
+              </p:nextCondLst>
+            </p:seq>
+          </p:childTnLst>
+        </p:cTn>
       </p:par>
     </p:tnLst>
   </p:timing>
@@ -12922,13 +13118,6 @@
   <p:clrMapOvr>
     <a:masterClrMapping/>
   </p:clrMapOvr>
-  <p:timing>
-    <p:tnLst>
-      <p:par>
-        <p:cTn id="1" dur="indefinite" restart="never" nodeType="tmRoot"/>
-      </p:par>
-    </p:tnLst>
-  </p:timing>
 </p:sld>
 </file>
 
@@ -13203,13 +13392,6 @@
   <p:clrMapOvr>
     <a:masterClrMapping/>
   </p:clrMapOvr>
-  <p:timing>
-    <p:tnLst>
-      <p:par>
-        <p:cTn id="1" dur="indefinite" restart="never" nodeType="tmRoot"/>
-      </p:par>
-    </p:tnLst>
-  </p:timing>
 </p:sld>
 </file>
 
@@ -13342,13 +13524,6 @@
   <p:clrMapOvr>
     <a:masterClrMapping/>
   </p:clrMapOvr>
-  <p:timing>
-    <p:tnLst>
-      <p:par>
-        <p:cTn id="1" dur="indefinite" restart="never" nodeType="tmRoot"/>
-      </p:par>
-    </p:tnLst>
-  </p:timing>
 </p:sld>
 </file>
 
@@ -13492,13 +13667,6 @@
   <p:clrMapOvr>
     <a:masterClrMapping/>
   </p:clrMapOvr>
-  <p:timing>
-    <p:tnLst>
-      <p:par>
-        <p:cTn id="1" dur="indefinite" restart="never" nodeType="tmRoot"/>
-      </p:par>
-    </p:tnLst>
-  </p:timing>
 </p:sld>
 </file>
 
@@ -13639,13 +13807,6 @@
   <p:clrMapOvr>
     <a:masterClrMapping/>
   </p:clrMapOvr>
-  <p:timing>
-    <p:tnLst>
-      <p:par>
-        <p:cTn id="1" dur="indefinite" restart="never" nodeType="tmRoot"/>
-      </p:par>
-    </p:tnLst>
-  </p:timing>
 </p:sld>
 </file>
 
@@ -13860,13 +14021,6 @@
   <p:clrMapOvr>
     <a:masterClrMapping/>
   </p:clrMapOvr>
-  <p:timing>
-    <p:tnLst>
-      <p:par>
-        <p:cTn id="1" dur="indefinite" restart="never" nodeType="tmRoot"/>
-      </p:par>
-    </p:tnLst>
-  </p:timing>
 </p:sld>
 </file>
 
@@ -14501,13 +14655,6 @@
   <p:clrMapOvr>
     <a:masterClrMapping/>
   </p:clrMapOvr>
-  <p:timing>
-    <p:tnLst>
-      <p:par>
-        <p:cTn id="1" dur="indefinite" restart="never" nodeType="tmRoot"/>
-      </p:par>
-    </p:tnLst>
-  </p:timing>
 </p:sld>
 </file>
 
@@ -19276,13 +19423,6 @@
   <p:clrMapOvr>
     <a:masterClrMapping/>
   </p:clrMapOvr>
-  <p:timing>
-    <p:tnLst>
-      <p:par>
-        <p:cTn id="1" dur="indefinite" restart="never" nodeType="tmRoot"/>
-      </p:par>
-    </p:tnLst>
-  </p:timing>
 </p:sld>
 </file>
 
@@ -19588,13 +19728,6 @@
   <p:clrMapOvr>
     <a:masterClrMapping/>
   </p:clrMapOvr>
-  <p:timing>
-    <p:tnLst>
-      <p:par>
-        <p:cTn id="1" dur="indefinite" restart="never" nodeType="tmRoot"/>
-      </p:par>
-    </p:tnLst>
-  </p:timing>
 </p:sld>
 </file>
 
@@ -19779,13 +19912,6 @@
   <p:clrMapOvr>
     <a:masterClrMapping/>
   </p:clrMapOvr>
-  <p:timing>
-    <p:tnLst>
-      <p:par>
-        <p:cTn id="1" dur="indefinite" restart="never" nodeType="tmRoot"/>
-      </p:par>
-    </p:tnLst>
-  </p:timing>
 </p:sld>
 </file>
 
@@ -20000,13 +20126,6 @@
   <p:clrMapOvr>
     <a:masterClrMapping/>
   </p:clrMapOvr>
-  <p:timing>
-    <p:tnLst>
-      <p:par>
-        <p:cTn id="1" dur="indefinite" restart="never" nodeType="tmRoot"/>
-      </p:par>
-    </p:tnLst>
-  </p:timing>
 </p:sld>
 </file>
 
@@ -20137,13 +20256,6 @@
   <p:clrMapOvr>
     <a:masterClrMapping/>
   </p:clrMapOvr>
-  <p:timing>
-    <p:tnLst>
-      <p:par>
-        <p:cTn id="1" dur="indefinite" restart="never" nodeType="tmRoot"/>
-      </p:par>
-    </p:tnLst>
-  </p:timing>
 </p:sld>
 </file>
 
@@ -20316,13 +20428,6 @@
   <p:clrMapOvr>
     <a:masterClrMapping/>
   </p:clrMapOvr>
-  <p:timing>
-    <p:tnLst>
-      <p:par>
-        <p:cTn id="1" dur="indefinite" restart="never" nodeType="tmRoot"/>
-      </p:par>
-    </p:tnLst>
-  </p:timing>
 </p:sld>
 </file>
 
@@ -20923,13 +21028,6 @@
   <p:clrMapOvr>
     <a:masterClrMapping/>
   </p:clrMapOvr>
-  <p:timing>
-    <p:tnLst>
-      <p:par>
-        <p:cTn id="1" dur="indefinite" restart="never" nodeType="tmRoot"/>
-      </p:par>
-    </p:tnLst>
-  </p:timing>
 </p:sld>
 </file>
 
@@ -21119,7 +21217,7 @@
               <a:buNone/>
             </a:pPr>
             <a:r>
-              <a:rPr lang="en-US" altLang="zh-TW"/>
+              <a:rPr lang="en-US" altLang="zh-TW" dirty="0"/>
               <a:t>(SELECT * </a:t>
             </a:r>
           </a:p>
@@ -21129,11 +21227,11 @@
               <a:buNone/>
             </a:pPr>
             <a:r>
-              <a:rPr lang="en-US" altLang="zh-TW"/>
+              <a:rPr lang="en-US" altLang="zh-TW" dirty="0"/>
               <a:t> FROM </a:t>
             </a:r>
             <a:r>
-              <a:rPr lang="en-US" altLang="zh-TW">
+              <a:rPr lang="en-US" altLang="zh-TW" dirty="0">
                 <a:solidFill>
                   <a:srgbClr val="0000FF"/>
                 </a:solidFill>
@@ -21141,7 +21239,7 @@
               <a:t>Likes</a:t>
             </a:r>
             <a:r>
-              <a:rPr lang="en-US" altLang="zh-TW"/>
+              <a:rPr lang="en-US" altLang="zh-TW" dirty="0"/>
               <a:t>)</a:t>
             </a:r>
           </a:p>
@@ -21151,7 +21249,7 @@
               <a:buNone/>
             </a:pPr>
             <a:r>
-              <a:rPr lang="en-US" altLang="zh-TW"/>
+              <a:rPr lang="en-US" altLang="zh-TW" dirty="0"/>
               <a:t>	INTERSECT</a:t>
             </a:r>
           </a:p>
@@ -21161,11 +21259,11 @@
               <a:buNone/>
             </a:pPr>
             <a:r>
-              <a:rPr lang="en-US" altLang="zh-TW"/>
+              <a:rPr lang="en-US" altLang="zh-TW" dirty="0"/>
               <a:t>(SELECT </a:t>
             </a:r>
             <a:r>
-              <a:rPr lang="en-US" altLang="zh-TW">
+              <a:rPr lang="en-US" altLang="zh-TW" dirty="0">
                 <a:solidFill>
                   <a:srgbClr val="FF0000"/>
                 </a:solidFill>
@@ -21173,11 +21271,11 @@
               <a:t>drinker</a:t>
             </a:r>
             <a:r>
-              <a:rPr lang="en-US" altLang="zh-TW"/>
+              <a:rPr lang="en-US" altLang="zh-TW" dirty="0"/>
               <a:t>, </a:t>
             </a:r>
             <a:r>
-              <a:rPr lang="en-US" altLang="zh-TW">
+              <a:rPr lang="en-US" altLang="zh-TW" dirty="0">
                 <a:solidFill>
                   <a:srgbClr val="FF0000"/>
                 </a:solidFill>
@@ -21191,7 +21289,7 @@
               <a:buNone/>
             </a:pPr>
             <a:r>
-              <a:rPr lang="en-US" altLang="zh-TW"/>
+              <a:rPr lang="en-US" altLang="zh-TW" dirty="0"/>
               <a:t> FROM Sells, Frequents</a:t>
             </a:r>
           </a:p>
@@ -21201,8 +21299,24 @@
               <a:buNone/>
             </a:pPr>
             <a:r>
-              <a:rPr lang="en-US" altLang="zh-TW"/>
-              <a:t> WHERE Frequents.bar = Sells.bar);</a:t>
+              <a:rPr lang="en-US" altLang="zh-TW" dirty="0"/>
+              <a:t> WHERE </a:t>
+            </a:r>
+            <a:r>
+              <a:rPr lang="en-US" altLang="zh-TW" dirty="0" err="1"/>
+              <a:t>Frequents.bar</a:t>
+            </a:r>
+            <a:r>
+              <a:rPr lang="en-US" altLang="zh-TW" dirty="0"/>
+              <a:t> = </a:t>
+            </a:r>
+            <a:r>
+              <a:rPr lang="en-US" altLang="zh-TW" dirty="0" err="1"/>
+              <a:t>Sells.bar</a:t>
+            </a:r>
+            <a:r>
+              <a:rPr lang="en-US" altLang="zh-TW" dirty="0"/>
+              <a:t>);</a:t>
             </a:r>
           </a:p>
         </p:txBody>
@@ -21459,13 +21573,6 @@
   <p:clrMapOvr>
     <a:masterClrMapping/>
   </p:clrMapOvr>
-  <p:timing>
-    <p:tnLst>
-      <p:par>
-        <p:cTn id="1" dur="indefinite" restart="never" nodeType="tmRoot"/>
-      </p:par>
-    </p:tnLst>
-  </p:timing>
 </p:sld>
 </file>
 
@@ -21608,13 +21715,6 @@
   <p:clrMapOvr>
     <a:masterClrMapping/>
   </p:clrMapOvr>
-  <p:timing>
-    <p:tnLst>
-      <p:par>
-        <p:cTn id="1" dur="indefinite" restart="never" nodeType="tmRoot"/>
-      </p:par>
-    </p:tnLst>
-  </p:timing>
 </p:sld>
 </file>
 
@@ -21835,13 +21935,6 @@
   <p:clrMapOvr>
     <a:masterClrMapping/>
   </p:clrMapOvr>
-  <p:timing>
-    <p:tnLst>
-      <p:par>
-        <p:cTn id="1" dur="indefinite" restart="never" nodeType="tmRoot"/>
-      </p:par>
-    </p:tnLst>
-  </p:timing>
 </p:sld>
 </file>
 
@@ -21988,13 +22081,6 @@
   <p:clrMapOvr>
     <a:masterClrMapping/>
   </p:clrMapOvr>
-  <p:timing>
-    <p:tnLst>
-      <p:par>
-        <p:cTn id="1" dur="indefinite" restart="never" nodeType="tmRoot"/>
-      </p:par>
-    </p:tnLst>
-  </p:timing>
 </p:sld>
 </file>
 
@@ -22377,13 +22463,6 @@
   <p:clrMapOvr>
     <a:masterClrMapping/>
   </p:clrMapOvr>
-  <p:timing>
-    <p:tnLst>
-      <p:par>
-        <p:cTn id="1" dur="indefinite" restart="never" nodeType="tmRoot"/>
-      </p:par>
-    </p:tnLst>
-  </p:timing>
 </p:sld>
 </file>
 
@@ -22643,13 +22722,6 @@
   <p:clrMapOvr>
     <a:masterClrMapping/>
   </p:clrMapOvr>
-  <p:timing>
-    <p:tnLst>
-      <p:par>
-        <p:cTn id="1" dur="indefinite" restart="never" nodeType="tmRoot"/>
-      </p:par>
-    </p:tnLst>
-  </p:timing>
 </p:sld>
 </file>
 
@@ -22835,13 +22907,6 @@
   <p:clrMapOvr>
     <a:masterClrMapping/>
   </p:clrMapOvr>
-  <p:timing>
-    <p:tnLst>
-      <p:par>
-        <p:cTn id="1" dur="indefinite" restart="never" nodeType="tmRoot"/>
-      </p:par>
-    </p:tnLst>
-  </p:timing>
 </p:sld>
 </file>
 
@@ -22975,13 +23040,6 @@
   <p:clrMapOvr>
     <a:masterClrMapping/>
   </p:clrMapOvr>
-  <p:timing>
-    <p:tnLst>
-      <p:par>
-        <p:cTn id="1" dur="indefinite" restart="never" nodeType="tmRoot"/>
-      </p:par>
-    </p:tnLst>
-  </p:timing>
 </p:sld>
 </file>
 
@@ -23187,13 +23245,6 @@
   <p:clrMapOvr>
     <a:masterClrMapping/>
   </p:clrMapOvr>
-  <p:timing>
-    <p:tnLst>
-      <p:par>
-        <p:cTn id="1" dur="indefinite" restart="never" nodeType="tmRoot"/>
-      </p:par>
-    </p:tnLst>
-  </p:timing>
 </p:sld>
 </file>
 
@@ -23339,13 +23390,6 @@
   <p:clrMapOvr>
     <a:masterClrMapping/>
   </p:clrMapOvr>
-  <p:timing>
-    <p:tnLst>
-      <p:par>
-        <p:cTn id="1" dur="indefinite" restart="never" nodeType="tmRoot"/>
-      </p:par>
-    </p:tnLst>
-  </p:timing>
 </p:sld>
 </file>
 
@@ -23514,13 +23558,6 @@
   <p:clrMapOvr>
     <a:masterClrMapping/>
   </p:clrMapOvr>
-  <p:timing>
-    <p:tnLst>
-      <p:par>
-        <p:cTn id="1" dur="indefinite" restart="never" nodeType="tmRoot"/>
-      </p:par>
-    </p:tnLst>
-  </p:timing>
 </p:sld>
 </file>
 
@@ -23662,13 +23699,6 @@
   <p:clrMapOvr>
     <a:masterClrMapping/>
   </p:clrMapOvr>
-  <p:timing>
-    <p:tnLst>
-      <p:par>
-        <p:cTn id="1" dur="indefinite" restart="never" nodeType="tmRoot"/>
-      </p:par>
-    </p:tnLst>
-  </p:timing>
 </p:sld>
 </file>
 
@@ -23862,13 +23892,6 @@
   <p:clrMapOvr>
     <a:masterClrMapping/>
   </p:clrMapOvr>
-  <p:timing>
-    <p:tnLst>
-      <p:par>
-        <p:cTn id="1" dur="indefinite" restart="never" nodeType="tmRoot"/>
-      </p:par>
-    </p:tnLst>
-  </p:timing>
 </p:sld>
 </file>
 
@@ -26860,13 +26883,6 @@
   <p:clrMapOvr>
     <a:masterClrMapping/>
   </p:clrMapOvr>
-  <p:timing>
-    <p:tnLst>
-      <p:par>
-        <p:cTn id="1" dur="indefinite" restart="never" nodeType="tmRoot"/>
-      </p:par>
-    </p:tnLst>
-  </p:timing>
 </p:sld>
 </file>
 

--- a/PPT/DatabaseLecture_2.pptx
+++ b/PPT/DatabaseLecture_2.pptx
@@ -184,6 +184,22 @@
       </a:defRPr>
     </a:lvl9pPr>
   </p:defaultTextStyle>
+  <p:extLst>
+    <p:ext uri="{EFAFB233-063F-42B5-8137-9DF3F51BA10A}">
+      <p15:sldGuideLst xmlns:p15="http://schemas.microsoft.com/office/powerpoint/2012/main">
+        <p15:guide id="1" orient="horz" pos="2160">
+          <p15:clr>
+            <a:srgbClr val="A4A3A4"/>
+          </p15:clr>
+        </p15:guide>
+        <p15:guide id="2" pos="2880">
+          <p15:clr>
+            <a:srgbClr val="A4A3A4"/>
+          </p15:clr>
+        </p15:guide>
+      </p15:sldGuideLst>
+    </p:ext>
+  </p:extLst>
 </p:presentation>
 </file>
 
@@ -458,35 +474,35 @@
           <a:p>
             <a:pPr lvl="0"/>
             <a:r>
-              <a:rPr lang="zh-TW" altLang="en-US" smtClean="0"/>
+              <a:rPr lang="zh-TW" altLang="en-US"/>
               <a:t>按一下以編輯母片</a:t>
             </a:r>
           </a:p>
           <a:p>
             <a:pPr lvl="1"/>
             <a:r>
-              <a:rPr lang="zh-TW" altLang="en-US" smtClean="0"/>
+              <a:rPr lang="zh-TW" altLang="en-US"/>
               <a:t>第二層</a:t>
             </a:r>
           </a:p>
           <a:p>
             <a:pPr lvl="2"/>
             <a:r>
-              <a:rPr lang="zh-TW" altLang="en-US" smtClean="0"/>
+              <a:rPr lang="zh-TW" altLang="en-US"/>
               <a:t>第三層</a:t>
             </a:r>
           </a:p>
           <a:p>
             <a:pPr lvl="3"/>
             <a:r>
-              <a:rPr lang="zh-TW" altLang="en-US" smtClean="0"/>
+              <a:rPr lang="zh-TW" altLang="en-US"/>
               <a:t>第四層</a:t>
             </a:r>
           </a:p>
           <a:p>
             <a:pPr lvl="4"/>
             <a:r>
-              <a:rPr lang="zh-TW" altLang="en-US" smtClean="0"/>
+              <a:rPr lang="zh-TW" altLang="en-US"/>
               <a:t>第五層</a:t>
             </a:r>
           </a:p>
@@ -4847,7 +4863,7 @@
           <a:p>
             <a:pPr lvl="0"/>
             <a:r>
-              <a:rPr lang="en-US" altLang="zh-TW" noProof="0" smtClean="0"/>
+              <a:rPr lang="en-US" altLang="zh-TW" noProof="0"/>
               <a:t>Click to edit Master subtitle style</a:t>
             </a:r>
           </a:p>
@@ -4967,7 +4983,7 @@
           <a:p>
             <a:pPr lvl="0"/>
             <a:r>
-              <a:rPr lang="en-US" altLang="zh-TW" noProof="0" smtClean="0"/>
+              <a:rPr lang="en-US" altLang="zh-TW" noProof="0"/>
               <a:t>Click to edit Master title style</a:t>
             </a:r>
           </a:p>
@@ -5014,10 +5030,9 @@
           <a:lstStyle/>
           <a:p>
             <a:r>
-              <a:rPr lang="zh-TW" altLang="en-US" smtClean="0"/>
+              <a:rPr lang="zh-TW" altLang="en-US"/>
               <a:t>按一下以編輯母片標題樣式</a:t>
             </a:r>
-            <a:endParaRPr lang="zh-TW" altLang="en-US"/>
           </a:p>
         </p:txBody>
       </p:sp>
@@ -5038,38 +5053,37 @@
           <a:p>
             <a:pPr lvl="0"/>
             <a:r>
-              <a:rPr lang="zh-TW" altLang="en-US" smtClean="0"/>
+              <a:rPr lang="zh-TW" altLang="en-US"/>
               <a:t>按一下以編輯母片文字樣式</a:t>
             </a:r>
           </a:p>
           <a:p>
             <a:pPr lvl="1"/>
             <a:r>
-              <a:rPr lang="zh-TW" altLang="en-US" smtClean="0"/>
+              <a:rPr lang="zh-TW" altLang="en-US"/>
               <a:t>第二層</a:t>
             </a:r>
           </a:p>
           <a:p>
             <a:pPr lvl="2"/>
             <a:r>
-              <a:rPr lang="zh-TW" altLang="en-US" smtClean="0"/>
+              <a:rPr lang="zh-TW" altLang="en-US"/>
               <a:t>第三層</a:t>
             </a:r>
           </a:p>
           <a:p>
             <a:pPr lvl="3"/>
             <a:r>
-              <a:rPr lang="zh-TW" altLang="en-US" smtClean="0"/>
+              <a:rPr lang="zh-TW" altLang="en-US"/>
               <a:t>第四層</a:t>
             </a:r>
           </a:p>
           <a:p>
             <a:pPr lvl="4"/>
             <a:r>
-              <a:rPr lang="zh-TW" altLang="en-US" smtClean="0"/>
+              <a:rPr lang="zh-TW" altLang="en-US"/>
               <a:t>第五層</a:t>
             </a:r>
-            <a:endParaRPr lang="zh-TW" altLang="en-US"/>
           </a:p>
         </p:txBody>
       </p:sp>
@@ -5198,10 +5212,9 @@
           <a:lstStyle/>
           <a:p>
             <a:r>
-              <a:rPr lang="zh-TW" altLang="en-US" smtClean="0"/>
+              <a:rPr lang="zh-TW" altLang="en-US"/>
               <a:t>按一下以編輯母片標題樣式</a:t>
             </a:r>
-            <a:endParaRPr lang="zh-TW" altLang="en-US"/>
           </a:p>
         </p:txBody>
       </p:sp>
@@ -5227,38 +5240,37 @@
           <a:p>
             <a:pPr lvl="0"/>
             <a:r>
-              <a:rPr lang="zh-TW" altLang="en-US" smtClean="0"/>
+              <a:rPr lang="zh-TW" altLang="en-US"/>
               <a:t>按一下以編輯母片文字樣式</a:t>
             </a:r>
           </a:p>
           <a:p>
             <a:pPr lvl="1"/>
             <a:r>
-              <a:rPr lang="zh-TW" altLang="en-US" smtClean="0"/>
+              <a:rPr lang="zh-TW" altLang="en-US"/>
               <a:t>第二層</a:t>
             </a:r>
           </a:p>
           <a:p>
             <a:pPr lvl="2"/>
             <a:r>
-              <a:rPr lang="zh-TW" altLang="en-US" smtClean="0"/>
+              <a:rPr lang="zh-TW" altLang="en-US"/>
               <a:t>第三層</a:t>
             </a:r>
           </a:p>
           <a:p>
             <a:pPr lvl="3"/>
             <a:r>
-              <a:rPr lang="zh-TW" altLang="en-US" smtClean="0"/>
+              <a:rPr lang="zh-TW" altLang="en-US"/>
               <a:t>第四層</a:t>
             </a:r>
           </a:p>
           <a:p>
             <a:pPr lvl="4"/>
             <a:r>
-              <a:rPr lang="zh-TW" altLang="en-US" smtClean="0"/>
+              <a:rPr lang="zh-TW" altLang="en-US"/>
               <a:t>第五層</a:t>
             </a:r>
-            <a:endParaRPr lang="zh-TW" altLang="en-US"/>
           </a:p>
         </p:txBody>
       </p:sp>
@@ -5382,10 +5394,9 @@
           <a:lstStyle/>
           <a:p>
             <a:r>
-              <a:rPr lang="zh-TW" altLang="en-US" smtClean="0"/>
+              <a:rPr lang="zh-TW" altLang="en-US"/>
               <a:t>按一下以編輯母片標題樣式</a:t>
             </a:r>
-            <a:endParaRPr lang="zh-TW" altLang="en-US"/>
           </a:p>
         </p:txBody>
       </p:sp>
@@ -5406,38 +5417,37 @@
           <a:p>
             <a:pPr lvl="0"/>
             <a:r>
-              <a:rPr lang="zh-TW" altLang="en-US" smtClean="0"/>
+              <a:rPr lang="zh-TW" altLang="en-US"/>
               <a:t>按一下以編輯母片文字樣式</a:t>
             </a:r>
           </a:p>
           <a:p>
             <a:pPr lvl="1"/>
             <a:r>
-              <a:rPr lang="zh-TW" altLang="en-US" smtClean="0"/>
+              <a:rPr lang="zh-TW" altLang="en-US"/>
               <a:t>第二層</a:t>
             </a:r>
           </a:p>
           <a:p>
             <a:pPr lvl="2"/>
             <a:r>
-              <a:rPr lang="zh-TW" altLang="en-US" smtClean="0"/>
+              <a:rPr lang="zh-TW" altLang="en-US"/>
               <a:t>第三層</a:t>
             </a:r>
           </a:p>
           <a:p>
             <a:pPr lvl="3"/>
             <a:r>
-              <a:rPr lang="zh-TW" altLang="en-US" smtClean="0"/>
+              <a:rPr lang="zh-TW" altLang="en-US"/>
               <a:t>第四層</a:t>
             </a:r>
           </a:p>
           <a:p>
             <a:pPr lvl="4"/>
             <a:r>
-              <a:rPr lang="zh-TW" altLang="en-US" smtClean="0"/>
+              <a:rPr lang="zh-TW" altLang="en-US"/>
               <a:t>第五層</a:t>
             </a:r>
-            <a:endParaRPr lang="zh-TW" altLang="en-US"/>
           </a:p>
         </p:txBody>
       </p:sp>
@@ -5570,10 +5580,9 @@
           </a:lstStyle>
           <a:p>
             <a:r>
-              <a:rPr lang="zh-TW" altLang="en-US" smtClean="0"/>
+              <a:rPr lang="zh-TW" altLang="en-US"/>
               <a:t>按一下以編輯母片標題樣式</a:t>
             </a:r>
-            <a:endParaRPr lang="zh-TW" altLang="en-US"/>
           </a:p>
         </p:txBody>
       </p:sp>
@@ -5636,7 +5645,7 @@
           <a:p>
             <a:pPr lvl="0"/>
             <a:r>
-              <a:rPr lang="zh-TW" altLang="en-US" smtClean="0"/>
+              <a:rPr lang="zh-TW" altLang="en-US"/>
               <a:t>按一下以編輯母片文字樣式</a:t>
             </a:r>
           </a:p>
@@ -5762,10 +5771,9 @@
           <a:lstStyle/>
           <a:p>
             <a:r>
-              <a:rPr lang="zh-TW" altLang="en-US" smtClean="0"/>
+              <a:rPr lang="zh-TW" altLang="en-US"/>
               <a:t>按一下以編輯母片標題樣式</a:t>
             </a:r>
-            <a:endParaRPr lang="zh-TW" altLang="en-US"/>
           </a:p>
         </p:txBody>
       </p:sp>
@@ -5819,38 +5827,37 @@
           <a:p>
             <a:pPr lvl="0"/>
             <a:r>
-              <a:rPr lang="zh-TW" altLang="en-US" smtClean="0"/>
+              <a:rPr lang="zh-TW" altLang="en-US"/>
               <a:t>按一下以編輯母片文字樣式</a:t>
             </a:r>
           </a:p>
           <a:p>
             <a:pPr lvl="1"/>
             <a:r>
-              <a:rPr lang="zh-TW" altLang="en-US" smtClean="0"/>
+              <a:rPr lang="zh-TW" altLang="en-US"/>
               <a:t>第二層</a:t>
             </a:r>
           </a:p>
           <a:p>
             <a:pPr lvl="2"/>
             <a:r>
-              <a:rPr lang="zh-TW" altLang="en-US" smtClean="0"/>
+              <a:rPr lang="zh-TW" altLang="en-US"/>
               <a:t>第三層</a:t>
             </a:r>
           </a:p>
           <a:p>
             <a:pPr lvl="3"/>
             <a:r>
-              <a:rPr lang="zh-TW" altLang="en-US" smtClean="0"/>
+              <a:rPr lang="zh-TW" altLang="en-US"/>
               <a:t>第四層</a:t>
             </a:r>
           </a:p>
           <a:p>
             <a:pPr lvl="4"/>
             <a:r>
-              <a:rPr lang="zh-TW" altLang="en-US" smtClean="0"/>
+              <a:rPr lang="zh-TW" altLang="en-US"/>
               <a:t>第五層</a:t>
             </a:r>
-            <a:endParaRPr lang="zh-TW" altLang="en-US"/>
           </a:p>
         </p:txBody>
       </p:sp>
@@ -5904,38 +5911,37 @@
           <a:p>
             <a:pPr lvl="0"/>
             <a:r>
-              <a:rPr lang="zh-TW" altLang="en-US" smtClean="0"/>
+              <a:rPr lang="zh-TW" altLang="en-US"/>
               <a:t>按一下以編輯母片文字樣式</a:t>
             </a:r>
           </a:p>
           <a:p>
             <a:pPr lvl="1"/>
             <a:r>
-              <a:rPr lang="zh-TW" altLang="en-US" smtClean="0"/>
+              <a:rPr lang="zh-TW" altLang="en-US"/>
               <a:t>第二層</a:t>
             </a:r>
           </a:p>
           <a:p>
             <a:pPr lvl="2"/>
             <a:r>
-              <a:rPr lang="zh-TW" altLang="en-US" smtClean="0"/>
+              <a:rPr lang="zh-TW" altLang="en-US"/>
               <a:t>第三層</a:t>
             </a:r>
           </a:p>
           <a:p>
             <a:pPr lvl="3"/>
             <a:r>
-              <a:rPr lang="zh-TW" altLang="en-US" smtClean="0"/>
+              <a:rPr lang="zh-TW" altLang="en-US"/>
               <a:t>第四層</a:t>
             </a:r>
           </a:p>
           <a:p>
             <a:pPr lvl="4"/>
             <a:r>
-              <a:rPr lang="zh-TW" altLang="en-US" smtClean="0"/>
+              <a:rPr lang="zh-TW" altLang="en-US"/>
               <a:t>第五層</a:t>
             </a:r>
-            <a:endParaRPr lang="zh-TW" altLang="en-US"/>
           </a:p>
         </p:txBody>
       </p:sp>
@@ -6068,10 +6074,9 @@
           </a:lstStyle>
           <a:p>
             <a:r>
-              <a:rPr lang="zh-TW" altLang="en-US" smtClean="0"/>
+              <a:rPr lang="zh-TW" altLang="en-US"/>
               <a:t>按一下以編輯母片標題樣式</a:t>
             </a:r>
-            <a:endParaRPr lang="zh-TW" altLang="en-US"/>
           </a:p>
         </p:txBody>
       </p:sp>
@@ -6134,7 +6139,7 @@
           <a:p>
             <a:pPr lvl="0"/>
             <a:r>
-              <a:rPr lang="zh-TW" altLang="en-US" smtClean="0"/>
+              <a:rPr lang="zh-TW" altLang="en-US"/>
               <a:t>按一下以編輯母片文字樣式</a:t>
             </a:r>
           </a:p>
@@ -6190,38 +6195,37 @@
           <a:p>
             <a:pPr lvl="0"/>
             <a:r>
-              <a:rPr lang="zh-TW" altLang="en-US" smtClean="0"/>
+              <a:rPr lang="zh-TW" altLang="en-US"/>
               <a:t>按一下以編輯母片文字樣式</a:t>
             </a:r>
           </a:p>
           <a:p>
             <a:pPr lvl="1"/>
             <a:r>
-              <a:rPr lang="zh-TW" altLang="en-US" smtClean="0"/>
+              <a:rPr lang="zh-TW" altLang="en-US"/>
               <a:t>第二層</a:t>
             </a:r>
           </a:p>
           <a:p>
             <a:pPr lvl="2"/>
             <a:r>
-              <a:rPr lang="zh-TW" altLang="en-US" smtClean="0"/>
+              <a:rPr lang="zh-TW" altLang="en-US"/>
               <a:t>第三層</a:t>
             </a:r>
           </a:p>
           <a:p>
             <a:pPr lvl="3"/>
             <a:r>
-              <a:rPr lang="zh-TW" altLang="en-US" smtClean="0"/>
+              <a:rPr lang="zh-TW" altLang="en-US"/>
               <a:t>第四層</a:t>
             </a:r>
           </a:p>
           <a:p>
             <a:pPr lvl="4"/>
             <a:r>
-              <a:rPr lang="zh-TW" altLang="en-US" smtClean="0"/>
+              <a:rPr lang="zh-TW" altLang="en-US"/>
               <a:t>第五層</a:t>
             </a:r>
-            <a:endParaRPr lang="zh-TW" altLang="en-US"/>
           </a:p>
         </p:txBody>
       </p:sp>
@@ -6284,7 +6288,7 @@
           <a:p>
             <a:pPr lvl="0"/>
             <a:r>
-              <a:rPr lang="zh-TW" altLang="en-US" smtClean="0"/>
+              <a:rPr lang="zh-TW" altLang="en-US"/>
               <a:t>按一下以編輯母片文字樣式</a:t>
             </a:r>
           </a:p>
@@ -6340,38 +6344,37 @@
           <a:p>
             <a:pPr lvl="0"/>
             <a:r>
-              <a:rPr lang="zh-TW" altLang="en-US" smtClean="0"/>
+              <a:rPr lang="zh-TW" altLang="en-US"/>
               <a:t>按一下以編輯母片文字樣式</a:t>
             </a:r>
           </a:p>
           <a:p>
             <a:pPr lvl="1"/>
             <a:r>
-              <a:rPr lang="zh-TW" altLang="en-US" smtClean="0"/>
+              <a:rPr lang="zh-TW" altLang="en-US"/>
               <a:t>第二層</a:t>
             </a:r>
           </a:p>
           <a:p>
             <a:pPr lvl="2"/>
             <a:r>
-              <a:rPr lang="zh-TW" altLang="en-US" smtClean="0"/>
+              <a:rPr lang="zh-TW" altLang="en-US"/>
               <a:t>第三層</a:t>
             </a:r>
           </a:p>
           <a:p>
             <a:pPr lvl="3"/>
             <a:r>
-              <a:rPr lang="zh-TW" altLang="en-US" smtClean="0"/>
+              <a:rPr lang="zh-TW" altLang="en-US"/>
               <a:t>第四層</a:t>
             </a:r>
           </a:p>
           <a:p>
             <a:pPr lvl="4"/>
             <a:r>
-              <a:rPr lang="zh-TW" altLang="en-US" smtClean="0"/>
+              <a:rPr lang="zh-TW" altLang="en-US"/>
               <a:t>第五層</a:t>
             </a:r>
-            <a:endParaRPr lang="zh-TW" altLang="en-US"/>
           </a:p>
         </p:txBody>
       </p:sp>
@@ -6495,10 +6498,9 @@
           <a:lstStyle/>
           <a:p>
             <a:r>
-              <a:rPr lang="zh-TW" altLang="en-US" smtClean="0"/>
+              <a:rPr lang="zh-TW" altLang="en-US"/>
               <a:t>按一下以編輯母片標題樣式</a:t>
             </a:r>
-            <a:endParaRPr lang="zh-TW" altLang="en-US"/>
           </a:p>
         </p:txBody>
       </p:sp>
@@ -6735,10 +6737,9 @@
           </a:lstStyle>
           <a:p>
             <a:r>
-              <a:rPr lang="zh-TW" altLang="en-US" smtClean="0"/>
+              <a:rPr lang="zh-TW" altLang="en-US"/>
               <a:t>按一下以編輯母片標題樣式</a:t>
             </a:r>
-            <a:endParaRPr lang="zh-TW" altLang="en-US"/>
           </a:p>
         </p:txBody>
       </p:sp>
@@ -6792,38 +6793,37 @@
           <a:p>
             <a:pPr lvl="0"/>
             <a:r>
-              <a:rPr lang="zh-TW" altLang="en-US" smtClean="0"/>
+              <a:rPr lang="zh-TW" altLang="en-US"/>
               <a:t>按一下以編輯母片文字樣式</a:t>
             </a:r>
           </a:p>
           <a:p>
             <a:pPr lvl="1"/>
             <a:r>
-              <a:rPr lang="zh-TW" altLang="en-US" smtClean="0"/>
+              <a:rPr lang="zh-TW" altLang="en-US"/>
               <a:t>第二層</a:t>
             </a:r>
           </a:p>
           <a:p>
             <a:pPr lvl="2"/>
             <a:r>
-              <a:rPr lang="zh-TW" altLang="en-US" smtClean="0"/>
+              <a:rPr lang="zh-TW" altLang="en-US"/>
               <a:t>第三層</a:t>
             </a:r>
           </a:p>
           <a:p>
             <a:pPr lvl="3"/>
             <a:r>
-              <a:rPr lang="zh-TW" altLang="en-US" smtClean="0"/>
+              <a:rPr lang="zh-TW" altLang="en-US"/>
               <a:t>第四層</a:t>
             </a:r>
           </a:p>
           <a:p>
             <a:pPr lvl="4"/>
             <a:r>
-              <a:rPr lang="zh-TW" altLang="en-US" smtClean="0"/>
+              <a:rPr lang="zh-TW" altLang="en-US"/>
               <a:t>第五層</a:t>
             </a:r>
-            <a:endParaRPr lang="zh-TW" altLang="en-US"/>
           </a:p>
         </p:txBody>
       </p:sp>
@@ -6886,7 +6886,7 @@
           <a:p>
             <a:pPr lvl="0"/>
             <a:r>
-              <a:rPr lang="zh-TW" altLang="en-US" smtClean="0"/>
+              <a:rPr lang="zh-TW" altLang="en-US"/>
               <a:t>按一下以編輯母片文字樣式</a:t>
             </a:r>
           </a:p>
@@ -7021,10 +7021,9 @@
           </a:lstStyle>
           <a:p>
             <a:r>
-              <a:rPr lang="zh-TW" altLang="en-US" smtClean="0"/>
+              <a:rPr lang="zh-TW" altLang="en-US"/>
               <a:t>按一下以編輯母片標題樣式</a:t>
             </a:r>
-            <a:endParaRPr lang="zh-TW" altLang="en-US"/>
           </a:p>
         </p:txBody>
       </p:sp>
@@ -7148,7 +7147,7 @@
           <a:p>
             <a:pPr lvl="0"/>
             <a:r>
-              <a:rPr lang="zh-TW" altLang="en-US" smtClean="0"/>
+              <a:rPr lang="zh-TW" altLang="en-US"/>
               <a:t>按一下以編輯母片文字樣式</a:t>
             </a:r>
           </a:p>
@@ -7332,7 +7331,7 @@
           <a:p>
             <a:pPr lvl="0"/>
             <a:r>
-              <a:rPr lang="en-US" altLang="zh-TW" smtClean="0"/>
+              <a:rPr lang="en-US" altLang="zh-TW"/>
               <a:t>Click to edit Master title style</a:t>
             </a:r>
           </a:p>
@@ -7400,35 +7399,35 @@
           <a:p>
             <a:pPr lvl="0"/>
             <a:r>
-              <a:rPr lang="en-US" altLang="zh-TW" smtClean="0"/>
+              <a:rPr lang="en-US" altLang="zh-TW"/>
               <a:t> Click to edit Master text styles</a:t>
             </a:r>
           </a:p>
           <a:p>
             <a:pPr lvl="1"/>
             <a:r>
-              <a:rPr lang="en-US" altLang="zh-TW" smtClean="0"/>
+              <a:rPr lang="en-US" altLang="zh-TW"/>
               <a:t> Second level</a:t>
             </a:r>
           </a:p>
           <a:p>
             <a:pPr lvl="2"/>
             <a:r>
-              <a:rPr lang="en-US" altLang="zh-TW" smtClean="0"/>
+              <a:rPr lang="en-US" altLang="zh-TW"/>
               <a:t> Third level</a:t>
             </a:r>
           </a:p>
           <a:p>
             <a:pPr lvl="3"/>
             <a:r>
-              <a:rPr lang="en-US" altLang="zh-TW" smtClean="0"/>
+              <a:rPr lang="en-US" altLang="zh-TW"/>
               <a:t> Fourth level</a:t>
             </a:r>
           </a:p>
           <a:p>
             <a:pPr lvl="4"/>
             <a:r>
-              <a:rPr lang="en-US" altLang="zh-TW" smtClean="0"/>
+              <a:rPr lang="en-US" altLang="zh-TW"/>
               <a:t> Fifth level</a:t>
             </a:r>
           </a:p>
@@ -8247,13 +8246,6 @@
   <p:clrMapOvr>
     <a:masterClrMapping/>
   </p:clrMapOvr>
-  <p:timing>
-    <p:tnLst>
-      <p:par>
-        <p:cTn id="1" dur="indefinite" restart="never" nodeType="tmRoot"/>
-      </p:par>
-    </p:tnLst>
-  </p:timing>
 </p:sld>
 </file>
 
@@ -8446,17 +8438,8 @@
               <a:rPr lang="en-US" altLang="zh-TW" sz="2800" dirty="0">
                 <a:latin typeface="Courier New" pitchFamily="49" charset="0"/>
               </a:rPr>
-              <a:t>		(SELECT drinker FROM Likes</a:t>
-            </a:r>
-            <a:r>
-              <a:rPr lang="en-US" altLang="zh-TW" sz="2800" dirty="0" smtClean="0">
-                <a:latin typeface="Courier New" pitchFamily="49" charset="0"/>
-              </a:rPr>
-              <a:t>);</a:t>
-            </a:r>
-            <a:endParaRPr lang="en-US" altLang="zh-TW" sz="2800" dirty="0">
-              <a:latin typeface="Courier New" pitchFamily="49" charset="0"/>
-            </a:endParaRPr>
+              <a:t>		(SELECT drinker FROM Likes);</a:t>
+            </a:r>
           </a:p>
         </p:txBody>
       </p:sp>
@@ -8465,13 +8448,6 @@
   <p:clrMapOvr>
     <a:masterClrMapping/>
   </p:clrMapOvr>
-  <p:timing>
-    <p:tnLst>
-      <p:par>
-        <p:cTn id="1" dur="indefinite" restart="never" nodeType="tmRoot"/>
-      </p:par>
-    </p:tnLst>
-  </p:timing>
 </p:sld>
 </file>
 
@@ -8685,13 +8661,6 @@
   <p:clrMapOvr>
     <a:masterClrMapping/>
   </p:clrMapOvr>
-  <p:timing>
-    <p:tnLst>
-      <p:par>
-        <p:cTn id="1" dur="indefinite" restart="never" nodeType="tmRoot"/>
-      </p:par>
-    </p:tnLst>
-  </p:timing>
 </p:sld>
 </file>
 
@@ -8965,46 +8934,16 @@
           <a:p>
             <a:pPr eaLnBrk="0" hangingPunct="0"/>
             <a:r>
-              <a:rPr lang="en-US" altLang="zh-TW" dirty="0" err="1" smtClean="0">
+              <a:rPr lang="en-US" altLang="zh-TW" dirty="0" err="1">
                 <a:latin typeface="Tahoma" pitchFamily="34" charset="0"/>
               </a:rPr>
               <a:t>Freq</a:t>
-            </a:r>
-            <a:r>
-              <a:rPr lang="en-US" altLang="zh-TW" dirty="0" smtClean="0">
-                <a:latin typeface="Tahoma" pitchFamily="34" charset="0"/>
-              </a:rPr>
-              <a:t> </a:t>
             </a:r>
             <a:r>
               <a:rPr lang="en-US" altLang="zh-TW" dirty="0">
                 <a:latin typeface="Tahoma" pitchFamily="34" charset="0"/>
               </a:rPr>
-              <a:t>(  drinker      bar	 )  	</a:t>
-            </a:r>
-            <a:r>
-              <a:rPr lang="en-US" altLang="zh-TW" dirty="0" smtClean="0">
-                <a:latin typeface="Tahoma" pitchFamily="34" charset="0"/>
-              </a:rPr>
-              <a:t>Like(   </a:t>
-            </a:r>
-            <a:r>
-              <a:rPr lang="en-US" altLang="zh-TW" dirty="0">
-                <a:latin typeface="Tahoma" pitchFamily="34" charset="0"/>
-              </a:rPr>
-              <a:t>drinker        </a:t>
-            </a:r>
-            <a:r>
-              <a:rPr lang="en-US" altLang="zh-TW" dirty="0" smtClean="0">
-                <a:latin typeface="Tahoma" pitchFamily="34" charset="0"/>
-              </a:rPr>
-              <a:t>A       </a:t>
-            </a:r>
-            <a:r>
-              <a:rPr lang="en-US" altLang="zh-TW" dirty="0">
-                <a:latin typeface="Tahoma" pitchFamily="34" charset="0"/>
-              </a:rPr>
-              <a:t>)</a:t>
+              <a:t> (  drinker      bar	 )  	Like(   drinker        A       )</a:t>
             </a:r>
           </a:p>
           <a:p>
@@ -9023,7 +8962,7 @@
               <a:t>王建民   </a:t>
             </a:r>
             <a:r>
-              <a:rPr lang="en-US" altLang="zh-TW" dirty="0" smtClean="0">
+              <a:rPr lang="en-US" altLang="zh-TW" dirty="0">
                 <a:latin typeface="標楷體" pitchFamily="65" charset="-120"/>
                 <a:ea typeface="標楷體" pitchFamily="65" charset="-120"/>
               </a:rPr>
@@ -9034,24 +8973,14 @@
                 <a:latin typeface="標楷體" pitchFamily="65" charset="-120"/>
                 <a:ea typeface="標楷體" pitchFamily="65" charset="-120"/>
               </a:rPr>
-              <a:t>	       	</a:t>
-            </a:r>
-            <a:r>
-              <a:rPr lang="zh-TW" altLang="en-US" dirty="0" smtClean="0">
-                <a:latin typeface="標楷體" pitchFamily="65" charset="-120"/>
+              <a:t>	       	      王建民    </a:t>
+            </a:r>
+            <a:r>
+              <a:rPr lang="en-US" altLang="zh-TW" dirty="0">
                 <a:ea typeface="標楷體" pitchFamily="65" charset="-120"/>
               </a:rPr>
-              <a:t>      王建民    </a:t>
-            </a:r>
-            <a:r>
-              <a:rPr lang="en-US" altLang="zh-TW" dirty="0" smtClean="0">
-                <a:ea typeface="標楷體" pitchFamily="65" charset="-120"/>
-              </a:rPr>
               <a:t>TB</a:t>
             </a:r>
-            <a:endParaRPr lang="en-US" altLang="zh-TW" dirty="0">
-              <a:ea typeface="標楷體" pitchFamily="65" charset="-120"/>
-            </a:endParaRPr>
           </a:p>
           <a:p>
             <a:pPr eaLnBrk="0" hangingPunct="0"/>
@@ -9070,7 +8999,7 @@
               <a:t>王建民   </a:t>
             </a:r>
             <a:r>
-              <a:rPr lang="en-US" altLang="zh-TW" dirty="0" err="1" smtClean="0">
+              <a:rPr lang="en-US" altLang="zh-TW" dirty="0" err="1">
                 <a:latin typeface="標楷體" pitchFamily="65" charset="-120"/>
                 <a:ea typeface="標楷體" pitchFamily="65" charset="-120"/>
               </a:rPr>
@@ -9081,17 +9010,10 @@
                 <a:latin typeface="標楷體" pitchFamily="65" charset="-120"/>
                 <a:ea typeface="標楷體" pitchFamily="65" charset="-120"/>
               </a:rPr>
-              <a:t>		      </a:t>
-            </a:r>
-            <a:r>
-              <a:rPr lang="zh-TW" altLang="en-US" dirty="0" smtClean="0">
-                <a:latin typeface="標楷體" pitchFamily="65" charset="-120"/>
-                <a:ea typeface="標楷體" pitchFamily="65" charset="-120"/>
-              </a:rPr>
-              <a:t>      王建民    </a:t>
-            </a:r>
-            <a:r>
-              <a:rPr lang="en-US" altLang="zh-TW" smtClean="0"/>
+              <a:t>		            王建民    </a:t>
+            </a:r>
+            <a:r>
+              <a:rPr lang="en-US" altLang="zh-TW"/>
               <a:t>H</a:t>
             </a:r>
             <a:endParaRPr lang="en-US" altLang="zh-TW" dirty="0"/>
@@ -9113,7 +9035,7 @@
               <a:t>王建民   </a:t>
             </a:r>
             <a:r>
-              <a:rPr lang="en-US" altLang="zh-TW" dirty="0" smtClean="0">
+              <a:rPr lang="en-US" altLang="zh-TW" dirty="0">
                 <a:latin typeface="標楷體" pitchFamily="65" charset="-120"/>
                 <a:ea typeface="標楷體" pitchFamily="65" charset="-120"/>
               </a:rPr>
@@ -9141,7 +9063,7 @@
               <a:t>      </a:t>
             </a:r>
             <a:r>
-              <a:rPr lang="en-US" altLang="zh-TW" dirty="0" smtClean="0">
+              <a:rPr lang="en-US" altLang="zh-TW" dirty="0">
                 <a:latin typeface="Tahoma" pitchFamily="34" charset="0"/>
               </a:rPr>
               <a:t>16</a:t>
@@ -9453,13 +9375,6 @@
   <p:clrMapOvr>
     <a:masterClrMapping/>
   </p:clrMapOvr>
-  <p:timing>
-    <p:tnLst>
-      <p:par>
-        <p:cTn id="1" dur="indefinite" restart="never" nodeType="tmRoot"/>
-      </p:par>
-    </p:tnLst>
-  </p:timing>
 </p:sld>
 </file>
 
@@ -9636,13 +9551,6 @@
   <p:clrMapOvr>
     <a:masterClrMapping/>
   </p:clrMapOvr>
-  <p:timing>
-    <p:tnLst>
-      <p:par>
-        <p:cTn id="1" dur="indefinite" restart="never" nodeType="tmRoot"/>
-      </p:par>
-    </p:tnLst>
-  </p:timing>
 </p:sld>
 </file>
 
@@ -9827,13 +9735,6 @@
   <p:clrMapOvr>
     <a:masterClrMapping/>
   </p:clrMapOvr>
-  <p:timing>
-    <p:tnLst>
-      <p:par>
-        <p:cTn id="1" dur="indefinite" restart="never" nodeType="tmRoot"/>
-      </p:par>
-    </p:tnLst>
-  </p:timing>
 </p:sld>
 </file>
 
@@ -10130,13 +10031,6 @@
   <p:clrMapOvr>
     <a:masterClrMapping/>
   </p:clrMapOvr>
-  <p:timing>
-    <p:tnLst>
-      <p:par>
-        <p:cTn id="1" dur="indefinite" restart="never" nodeType="tmRoot"/>
-      </p:par>
-    </p:tnLst>
-  </p:timing>
 </p:sld>
 </file>
 
@@ -10346,13 +10240,6 @@
   <p:clrMapOvr>
     <a:masterClrMapping/>
   </p:clrMapOvr>
-  <p:timing>
-    <p:tnLst>
-      <p:par>
-        <p:cTn id="1" dur="indefinite" restart="never" nodeType="tmRoot"/>
-      </p:par>
-    </p:tnLst>
-  </p:timing>
 </p:sld>
 </file>
 
@@ -10485,13 +10372,6 @@
   <p:clrMapOvr>
     <a:masterClrMapping/>
   </p:clrMapOvr>
-  <p:timing>
-    <p:tnLst>
-      <p:par>
-        <p:cTn id="1" dur="indefinite" restart="never" nodeType="tmRoot"/>
-      </p:par>
-    </p:tnLst>
-  </p:timing>
 </p:sld>
 </file>
 
@@ -10632,11 +10512,11 @@
           <a:lstStyle/>
           <a:p>
             <a:r>
-              <a:rPr lang="en-US" altLang="zh-TW"/>
+              <a:rPr lang="en-US" altLang="zh-TW" dirty="0"/>
               <a:t>From </a:t>
             </a:r>
             <a:r>
-              <a:rPr lang="en-US" altLang="zh-TW">
+              <a:rPr lang="en-US" altLang="zh-TW" dirty="0">
                 <a:solidFill>
                   <a:srgbClr val="0000FF"/>
                 </a:solidFill>
@@ -10644,24 +10524,24 @@
               <a:t>Sells(bar, alcohol, price)</a:t>
             </a:r>
             <a:r>
-              <a:rPr lang="en-US" altLang="zh-TW"/>
+              <a:rPr lang="en-US" altLang="zh-TW" dirty="0"/>
               <a:t>, find the average price of </a:t>
             </a:r>
             <a:r>
-              <a:rPr lang="en-US" altLang="zh-TW">
+              <a:rPr lang="en-US" altLang="zh-TW" dirty="0">
                 <a:latin typeface="Courier New" pitchFamily="49" charset="0"/>
               </a:rPr>
               <a:t>TB</a:t>
             </a:r>
             <a:r>
-              <a:rPr lang="zh-TW" altLang="en-US">
+              <a:rPr lang="zh-TW" altLang="en-US" dirty="0">
                 <a:latin typeface="Courier New" pitchFamily="49" charset="0"/>
                 <a:ea typeface="標楷體" pitchFamily="65" charset="-120"/>
               </a:rPr>
               <a:t>台啤</a:t>
             </a:r>
             <a:r>
-              <a:rPr lang="en-US" altLang="zh-TW"/>
+              <a:rPr lang="en-US" altLang="zh-TW" dirty="0"/>
               <a:t>:</a:t>
             </a:r>
           </a:p>
@@ -10671,11 +10551,11 @@
               <a:buNone/>
             </a:pPr>
             <a:r>
-              <a:rPr lang="en-US" altLang="zh-TW"/>
+              <a:rPr lang="en-US" altLang="zh-TW" dirty="0"/>
               <a:t>		</a:t>
             </a:r>
             <a:r>
-              <a:rPr lang="en-US" altLang="zh-TW">
+              <a:rPr lang="en-US" altLang="zh-TW" dirty="0">
                 <a:latin typeface="Courier New" pitchFamily="49" charset="0"/>
               </a:rPr>
               <a:t>SELECT AVG(price)</a:t>
@@ -10687,7 +10567,7 @@
               <a:buNone/>
             </a:pPr>
             <a:r>
-              <a:rPr lang="en-US" altLang="zh-TW">
+              <a:rPr lang="en-US" altLang="zh-TW" dirty="0">
                 <a:latin typeface="Courier New" pitchFamily="49" charset="0"/>
               </a:rPr>
               <a:t>		FROM Sells</a:t>
@@ -10699,26 +10579,26 @@
               <a:buNone/>
             </a:pPr>
             <a:r>
-              <a:rPr lang="en-US" altLang="zh-TW">
+              <a:rPr lang="en-US" altLang="zh-TW" dirty="0">
                 <a:latin typeface="Courier New" pitchFamily="49" charset="0"/>
               </a:rPr>
               <a:t>		WHERE alcohol=‘TB</a:t>
             </a:r>
             <a:r>
-              <a:rPr lang="zh-TW" altLang="en-US">
+              <a:rPr lang="zh-TW" altLang="en-US" dirty="0">
                 <a:latin typeface="Courier New" pitchFamily="49" charset="0"/>
                 <a:ea typeface="標楷體" pitchFamily="65" charset="-120"/>
               </a:rPr>
               <a:t>台啤</a:t>
             </a:r>
             <a:r>
-              <a:rPr lang="zh-TW" altLang="en-US">
+              <a:rPr lang="zh-TW" altLang="en-US" dirty="0">
                 <a:latin typeface="Courier New" pitchFamily="49" charset="0"/>
               </a:rPr>
               <a:t>’</a:t>
             </a:r>
             <a:r>
-              <a:rPr lang="en-US" altLang="zh-TW">
+              <a:rPr lang="en-US" altLang="zh-TW" dirty="0">
                 <a:latin typeface="Courier New" pitchFamily="49" charset="0"/>
               </a:rPr>
               <a:t>;</a:t>
@@ -10734,7 +10614,303 @@
   <p:timing>
     <p:tnLst>
       <p:par>
-        <p:cTn id="1" dur="indefinite" restart="never" nodeType="tmRoot"/>
+        <p:cTn id="1" dur="indefinite" restart="never" nodeType="tmRoot">
+          <p:childTnLst>
+            <p:seq concurrent="1" nextAc="seek">
+              <p:cTn id="2" dur="indefinite" nodeType="mainSeq">
+                <p:childTnLst>
+                  <p:par>
+                    <p:cTn id="3" fill="hold">
+                      <p:stCondLst>
+                        <p:cond delay="indefinite"/>
+                      </p:stCondLst>
+                      <p:childTnLst>
+                        <p:par>
+                          <p:cTn id="4" fill="hold">
+                            <p:stCondLst>
+                              <p:cond delay="0"/>
+                            </p:stCondLst>
+                            <p:childTnLst>
+                              <p:par>
+                                <p:cTn id="5" presetID="2" presetClass="entr" presetSubtype="4" fill="hold" nodeType="clickEffect">
+                                  <p:stCondLst>
+                                    <p:cond delay="0"/>
+                                  </p:stCondLst>
+                                  <p:childTnLst>
+                                    <p:set>
+                                      <p:cBhvr>
+                                        <p:cTn id="6" dur="1" fill="hold">
+                                          <p:stCondLst>
+                                            <p:cond delay="0"/>
+                                          </p:stCondLst>
+                                        </p:cTn>
+                                        <p:tgtEl>
+                                          <p:spTgt spid="305155">
+                                            <p:txEl>
+                                              <p:pRg st="1" end="1"/>
+                                            </p:txEl>
+                                          </p:spTgt>
+                                        </p:tgtEl>
+                                        <p:attrNameLst>
+                                          <p:attrName>style.visibility</p:attrName>
+                                        </p:attrNameLst>
+                                      </p:cBhvr>
+                                      <p:to>
+                                        <p:strVal val="visible"/>
+                                      </p:to>
+                                    </p:set>
+                                    <p:anim calcmode="lin" valueType="num">
+                                      <p:cBhvr additive="base">
+                                        <p:cTn id="7" dur="500" fill="hold"/>
+                                        <p:tgtEl>
+                                          <p:spTgt spid="305155">
+                                            <p:txEl>
+                                              <p:pRg st="1" end="1"/>
+                                            </p:txEl>
+                                          </p:spTgt>
+                                        </p:tgtEl>
+                                        <p:attrNameLst>
+                                          <p:attrName>ppt_x</p:attrName>
+                                        </p:attrNameLst>
+                                      </p:cBhvr>
+                                      <p:tavLst>
+                                        <p:tav tm="0">
+                                          <p:val>
+                                            <p:strVal val="#ppt_x"/>
+                                          </p:val>
+                                        </p:tav>
+                                        <p:tav tm="100000">
+                                          <p:val>
+                                            <p:strVal val="#ppt_x"/>
+                                          </p:val>
+                                        </p:tav>
+                                      </p:tavLst>
+                                    </p:anim>
+                                    <p:anim calcmode="lin" valueType="num">
+                                      <p:cBhvr additive="base">
+                                        <p:cTn id="8" dur="500" fill="hold"/>
+                                        <p:tgtEl>
+                                          <p:spTgt spid="305155">
+                                            <p:txEl>
+                                              <p:pRg st="1" end="1"/>
+                                            </p:txEl>
+                                          </p:spTgt>
+                                        </p:tgtEl>
+                                        <p:attrNameLst>
+                                          <p:attrName>ppt_y</p:attrName>
+                                        </p:attrNameLst>
+                                      </p:cBhvr>
+                                      <p:tavLst>
+                                        <p:tav tm="0">
+                                          <p:val>
+                                            <p:strVal val="1+#ppt_h/2"/>
+                                          </p:val>
+                                        </p:tav>
+                                        <p:tav tm="100000">
+                                          <p:val>
+                                            <p:strVal val="#ppt_y"/>
+                                          </p:val>
+                                        </p:tav>
+                                      </p:tavLst>
+                                    </p:anim>
+                                  </p:childTnLst>
+                                </p:cTn>
+                              </p:par>
+                              <p:par>
+                                <p:cTn id="9" presetID="2" presetClass="entr" presetSubtype="4" fill="hold" nodeType="withEffect">
+                                  <p:stCondLst>
+                                    <p:cond delay="0"/>
+                                  </p:stCondLst>
+                                  <p:childTnLst>
+                                    <p:set>
+                                      <p:cBhvr>
+                                        <p:cTn id="10" dur="1" fill="hold">
+                                          <p:stCondLst>
+                                            <p:cond delay="0"/>
+                                          </p:stCondLst>
+                                        </p:cTn>
+                                        <p:tgtEl>
+                                          <p:spTgt spid="305155">
+                                            <p:txEl>
+                                              <p:pRg st="2" end="2"/>
+                                            </p:txEl>
+                                          </p:spTgt>
+                                        </p:tgtEl>
+                                        <p:attrNameLst>
+                                          <p:attrName>style.visibility</p:attrName>
+                                        </p:attrNameLst>
+                                      </p:cBhvr>
+                                      <p:to>
+                                        <p:strVal val="visible"/>
+                                      </p:to>
+                                    </p:set>
+                                    <p:anim calcmode="lin" valueType="num">
+                                      <p:cBhvr additive="base">
+                                        <p:cTn id="11" dur="500" fill="hold"/>
+                                        <p:tgtEl>
+                                          <p:spTgt spid="305155">
+                                            <p:txEl>
+                                              <p:pRg st="2" end="2"/>
+                                            </p:txEl>
+                                          </p:spTgt>
+                                        </p:tgtEl>
+                                        <p:attrNameLst>
+                                          <p:attrName>ppt_x</p:attrName>
+                                        </p:attrNameLst>
+                                      </p:cBhvr>
+                                      <p:tavLst>
+                                        <p:tav tm="0">
+                                          <p:val>
+                                            <p:strVal val="#ppt_x"/>
+                                          </p:val>
+                                        </p:tav>
+                                        <p:tav tm="100000">
+                                          <p:val>
+                                            <p:strVal val="#ppt_x"/>
+                                          </p:val>
+                                        </p:tav>
+                                      </p:tavLst>
+                                    </p:anim>
+                                    <p:anim calcmode="lin" valueType="num">
+                                      <p:cBhvr additive="base">
+                                        <p:cTn id="12" dur="500" fill="hold"/>
+                                        <p:tgtEl>
+                                          <p:spTgt spid="305155">
+                                            <p:txEl>
+                                              <p:pRg st="2" end="2"/>
+                                            </p:txEl>
+                                          </p:spTgt>
+                                        </p:tgtEl>
+                                        <p:attrNameLst>
+                                          <p:attrName>ppt_y</p:attrName>
+                                        </p:attrNameLst>
+                                      </p:cBhvr>
+                                      <p:tavLst>
+                                        <p:tav tm="0">
+                                          <p:val>
+                                            <p:strVal val="1+#ppt_h/2"/>
+                                          </p:val>
+                                        </p:tav>
+                                        <p:tav tm="100000">
+                                          <p:val>
+                                            <p:strVal val="#ppt_y"/>
+                                          </p:val>
+                                        </p:tav>
+                                      </p:tavLst>
+                                    </p:anim>
+                                  </p:childTnLst>
+                                </p:cTn>
+                              </p:par>
+                              <p:par>
+                                <p:cTn id="13" presetID="2" presetClass="entr" presetSubtype="4" fill="hold" nodeType="withEffect">
+                                  <p:stCondLst>
+                                    <p:cond delay="0"/>
+                                  </p:stCondLst>
+                                  <p:childTnLst>
+                                    <p:set>
+                                      <p:cBhvr>
+                                        <p:cTn id="14" dur="1" fill="hold">
+                                          <p:stCondLst>
+                                            <p:cond delay="0"/>
+                                          </p:stCondLst>
+                                        </p:cTn>
+                                        <p:tgtEl>
+                                          <p:spTgt spid="305155">
+                                            <p:txEl>
+                                              <p:pRg st="3" end="3"/>
+                                            </p:txEl>
+                                          </p:spTgt>
+                                        </p:tgtEl>
+                                        <p:attrNameLst>
+                                          <p:attrName>style.visibility</p:attrName>
+                                        </p:attrNameLst>
+                                      </p:cBhvr>
+                                      <p:to>
+                                        <p:strVal val="visible"/>
+                                      </p:to>
+                                    </p:set>
+                                    <p:anim calcmode="lin" valueType="num">
+                                      <p:cBhvr additive="base">
+                                        <p:cTn id="15" dur="500" fill="hold"/>
+                                        <p:tgtEl>
+                                          <p:spTgt spid="305155">
+                                            <p:txEl>
+                                              <p:pRg st="3" end="3"/>
+                                            </p:txEl>
+                                          </p:spTgt>
+                                        </p:tgtEl>
+                                        <p:attrNameLst>
+                                          <p:attrName>ppt_x</p:attrName>
+                                        </p:attrNameLst>
+                                      </p:cBhvr>
+                                      <p:tavLst>
+                                        <p:tav tm="0">
+                                          <p:val>
+                                            <p:strVal val="#ppt_x"/>
+                                          </p:val>
+                                        </p:tav>
+                                        <p:tav tm="100000">
+                                          <p:val>
+                                            <p:strVal val="#ppt_x"/>
+                                          </p:val>
+                                        </p:tav>
+                                      </p:tavLst>
+                                    </p:anim>
+                                    <p:anim calcmode="lin" valueType="num">
+                                      <p:cBhvr additive="base">
+                                        <p:cTn id="16" dur="500" fill="hold"/>
+                                        <p:tgtEl>
+                                          <p:spTgt spid="305155">
+                                            <p:txEl>
+                                              <p:pRg st="3" end="3"/>
+                                            </p:txEl>
+                                          </p:spTgt>
+                                        </p:tgtEl>
+                                        <p:attrNameLst>
+                                          <p:attrName>ppt_y</p:attrName>
+                                        </p:attrNameLst>
+                                      </p:cBhvr>
+                                      <p:tavLst>
+                                        <p:tav tm="0">
+                                          <p:val>
+                                            <p:strVal val="1+#ppt_h/2"/>
+                                          </p:val>
+                                        </p:tav>
+                                        <p:tav tm="100000">
+                                          <p:val>
+                                            <p:strVal val="#ppt_y"/>
+                                          </p:val>
+                                        </p:tav>
+                                      </p:tavLst>
+                                    </p:anim>
+                                  </p:childTnLst>
+                                </p:cTn>
+                              </p:par>
+                            </p:childTnLst>
+                          </p:cTn>
+                        </p:par>
+                      </p:childTnLst>
+                    </p:cTn>
+                  </p:par>
+                </p:childTnLst>
+              </p:cTn>
+              <p:prevCondLst>
+                <p:cond evt="onPrev" delay="0">
+                  <p:tgtEl>
+                    <p:sldTgt/>
+                  </p:tgtEl>
+                </p:cond>
+              </p:prevCondLst>
+              <p:nextCondLst>
+                <p:cond evt="onNext" delay="0">
+                  <p:tgtEl>
+                    <p:sldTgt/>
+                  </p:tgtEl>
+                </p:cond>
+              </p:nextCondLst>
+            </p:seq>
+          </p:childTnLst>
+        </p:cTn>
       </p:par>
     </p:tnLst>
   </p:timing>
@@ -10878,11 +11054,11 @@
           <a:lstStyle/>
           <a:p>
             <a:r>
-              <a:rPr lang="en-US" altLang="zh-TW" sz="2800"/>
+              <a:rPr lang="en-US" altLang="zh-TW" sz="2800" dirty="0"/>
               <a:t>DISTINCT inside an aggregation causes </a:t>
             </a:r>
             <a:r>
-              <a:rPr lang="en-US" altLang="zh-TW">
+              <a:rPr lang="en-US" altLang="zh-TW" dirty="0">
                 <a:solidFill>
                   <a:srgbClr val="0000FF"/>
                 </a:solidFill>
@@ -10890,23 +11066,23 @@
               <a:t>duplicates to be eliminated</a:t>
             </a:r>
             <a:r>
-              <a:rPr lang="en-US" altLang="zh-TW" sz="2800"/>
+              <a:rPr lang="en-US" altLang="zh-TW" sz="2800" dirty="0"/>
               <a:t> before the aggregation.</a:t>
             </a:r>
           </a:p>
           <a:p>
             <a:r>
-              <a:rPr lang="en-US" altLang="zh-TW" sz="2800"/>
+              <a:rPr lang="en-US" altLang="zh-TW" sz="2800" dirty="0"/>
               <a:t>Example: find the number of different prices charged for TB</a:t>
             </a:r>
             <a:r>
-              <a:rPr lang="zh-TW" altLang="en-US" sz="2800">
+              <a:rPr lang="zh-TW" altLang="en-US" sz="2800" dirty="0">
                 <a:ea typeface="標楷體" pitchFamily="65" charset="-120"/>
               </a:rPr>
               <a:t>台啤</a:t>
             </a:r>
             <a:r>
-              <a:rPr lang="en-US" altLang="zh-TW" sz="2800"/>
+              <a:rPr lang="en-US" altLang="zh-TW" sz="2800" dirty="0"/>
               <a:t>:</a:t>
             </a:r>
           </a:p>
@@ -10916,17 +11092,17 @@
               <a:buNone/>
             </a:pPr>
             <a:r>
-              <a:rPr lang="en-US" altLang="zh-TW" sz="2800"/>
+              <a:rPr lang="en-US" altLang="zh-TW" sz="2800" dirty="0"/>
               <a:t>		</a:t>
             </a:r>
             <a:r>
-              <a:rPr lang="en-US" altLang="zh-TW" sz="2800">
+              <a:rPr lang="en-US" altLang="zh-TW" sz="2800" dirty="0">
                 <a:latin typeface="Courier New" pitchFamily="49" charset="0"/>
               </a:rPr>
               <a:t>SELECT COUNT(</a:t>
             </a:r>
             <a:r>
-              <a:rPr lang="en-US" altLang="zh-TW" sz="2800">
+              <a:rPr lang="en-US" altLang="zh-TW" sz="2800" dirty="0">
                 <a:solidFill>
                   <a:srgbClr val="FF0000"/>
                 </a:solidFill>
@@ -10935,7 +11111,7 @@
               <a:t>DISTINCT</a:t>
             </a:r>
             <a:r>
-              <a:rPr lang="en-US" altLang="zh-TW" sz="2800">
+              <a:rPr lang="en-US" altLang="zh-TW" sz="2800" dirty="0">
                 <a:latin typeface="Courier New" pitchFamily="49" charset="0"/>
               </a:rPr>
               <a:t> price)</a:t>
@@ -10947,7 +11123,7 @@
               <a:buNone/>
             </a:pPr>
             <a:r>
-              <a:rPr lang="en-US" altLang="zh-TW" sz="2800">
+              <a:rPr lang="en-US" altLang="zh-TW" sz="2800" dirty="0">
                 <a:latin typeface="Courier New" pitchFamily="49" charset="0"/>
               </a:rPr>
               <a:t>		FROM Sells</a:t>
@@ -10959,26 +11135,26 @@
               <a:buNone/>
             </a:pPr>
             <a:r>
-              <a:rPr lang="en-US" altLang="zh-TW" sz="2800">
+              <a:rPr lang="en-US" altLang="zh-TW" sz="2800" dirty="0">
                 <a:latin typeface="Courier New" pitchFamily="49" charset="0"/>
               </a:rPr>
               <a:t>		WHERE alcohol = ‘TB</a:t>
             </a:r>
             <a:r>
-              <a:rPr lang="zh-TW" altLang="en-US" sz="2800">
+              <a:rPr lang="zh-TW" altLang="en-US" sz="2800" dirty="0">
                 <a:latin typeface="Courier New" pitchFamily="49" charset="0"/>
                 <a:ea typeface="標楷體" pitchFamily="65" charset="-120"/>
               </a:rPr>
               <a:t>台啤</a:t>
             </a:r>
             <a:r>
-              <a:rPr lang="zh-TW" altLang="en-US" sz="2800">
+              <a:rPr lang="zh-TW" altLang="en-US" sz="2800" dirty="0">
                 <a:latin typeface="Courier New" pitchFamily="49" charset="0"/>
               </a:rPr>
               <a:t>’</a:t>
             </a:r>
             <a:r>
-              <a:rPr lang="en-US" altLang="zh-TW" sz="2800">
+              <a:rPr lang="en-US" altLang="zh-TW" sz="2800" dirty="0">
                 <a:latin typeface="Courier New" pitchFamily="49" charset="0"/>
               </a:rPr>
               <a:t>;</a:t>
@@ -10994,7 +11170,141 @@
   <p:timing>
     <p:tnLst>
       <p:par>
-        <p:cTn id="1" dur="indefinite" restart="never" nodeType="tmRoot"/>
+        <p:cTn id="1" dur="indefinite" restart="never" nodeType="tmRoot">
+          <p:childTnLst>
+            <p:seq concurrent="1" nextAc="seek">
+              <p:cTn id="2" dur="indefinite" nodeType="mainSeq">
+                <p:childTnLst>
+                  <p:par>
+                    <p:cTn id="3" fill="hold">
+                      <p:stCondLst>
+                        <p:cond delay="indefinite"/>
+                      </p:stCondLst>
+                      <p:childTnLst>
+                        <p:par>
+                          <p:cTn id="4" fill="hold">
+                            <p:stCondLst>
+                              <p:cond delay="0"/>
+                            </p:stCondLst>
+                            <p:childTnLst>
+                              <p:par>
+                                <p:cTn id="5" presetID="1" presetClass="entr" presetSubtype="0" fill="hold" nodeType="clickEffect">
+                                  <p:stCondLst>
+                                    <p:cond delay="0"/>
+                                  </p:stCondLst>
+                                  <p:childTnLst>
+                                    <p:set>
+                                      <p:cBhvr>
+                                        <p:cTn id="6" dur="1" fill="hold">
+                                          <p:stCondLst>
+                                            <p:cond delay="0"/>
+                                          </p:stCondLst>
+                                        </p:cTn>
+                                        <p:tgtEl>
+                                          <p:spTgt spid="306179">
+                                            <p:txEl>
+                                              <p:pRg st="2" end="2"/>
+                                            </p:txEl>
+                                          </p:spTgt>
+                                        </p:tgtEl>
+                                        <p:attrNameLst>
+                                          <p:attrName>style.visibility</p:attrName>
+                                        </p:attrNameLst>
+                                      </p:cBhvr>
+                                      <p:to>
+                                        <p:strVal val="visible"/>
+                                      </p:to>
+                                    </p:set>
+                                  </p:childTnLst>
+                                </p:cTn>
+                              </p:par>
+                              <p:par>
+                                <p:cTn id="7" presetID="1" presetClass="entr" presetSubtype="0" fill="hold" nodeType="withEffect">
+                                  <p:stCondLst>
+                                    <p:cond delay="0"/>
+                                  </p:stCondLst>
+                                  <p:childTnLst>
+                                    <p:set>
+                                      <p:cBhvr>
+                                        <p:cTn id="8" dur="1" fill="hold">
+                                          <p:stCondLst>
+                                            <p:cond delay="0"/>
+                                          </p:stCondLst>
+                                        </p:cTn>
+                                        <p:tgtEl>
+                                          <p:spTgt spid="306179">
+                                            <p:txEl>
+                                              <p:pRg st="3" end="3"/>
+                                            </p:txEl>
+                                          </p:spTgt>
+                                        </p:tgtEl>
+                                        <p:attrNameLst>
+                                          <p:attrName>style.visibility</p:attrName>
+                                        </p:attrNameLst>
+                                      </p:cBhvr>
+                                      <p:to>
+                                        <p:strVal val="visible"/>
+                                      </p:to>
+                                    </p:set>
+                                  </p:childTnLst>
+                                </p:cTn>
+                              </p:par>
+                              <p:par>
+                                <p:cTn id="9" presetID="1" presetClass="entr" presetSubtype="0" fill="hold" nodeType="withEffect">
+                                  <p:stCondLst>
+                                    <p:cond delay="0"/>
+                                  </p:stCondLst>
+                                  <p:childTnLst>
+                                    <p:set>
+                                      <p:cBhvr>
+                                        <p:cTn id="10" dur="1" fill="hold">
+                                          <p:stCondLst>
+                                            <p:cond delay="0"/>
+                                          </p:stCondLst>
+                                        </p:cTn>
+                                        <p:tgtEl>
+                                          <p:spTgt spid="306179">
+                                            <p:txEl>
+                                              <p:pRg st="4" end="4"/>
+                                            </p:txEl>
+                                          </p:spTgt>
+                                        </p:tgtEl>
+                                        <p:attrNameLst>
+                                          <p:attrName>style.visibility</p:attrName>
+                                        </p:attrNameLst>
+                                      </p:cBhvr>
+                                      <p:to>
+                                        <p:strVal val="visible"/>
+                                      </p:to>
+                                    </p:set>
+                                  </p:childTnLst>
+                                </p:cTn>
+                              </p:par>
+                            </p:childTnLst>
+                          </p:cTn>
+                        </p:par>
+                      </p:childTnLst>
+                    </p:cTn>
+                  </p:par>
+                </p:childTnLst>
+              </p:cTn>
+              <p:prevCondLst>
+                <p:cond evt="onPrev" delay="0">
+                  <p:tgtEl>
+                    <p:sldTgt/>
+                  </p:tgtEl>
+                </p:cond>
+              </p:prevCondLst>
+              <p:nextCondLst>
+                <p:cond evt="onNext" delay="0">
+                  <p:tgtEl>
+                    <p:sldTgt/>
+                  </p:tgtEl>
+                </p:cond>
+              </p:nextCondLst>
+            </p:seq>
+          </p:childTnLst>
+        </p:cTn>
       </p:par>
     </p:tnLst>
   </p:timing>
@@ -11161,13 +11471,6 @@
   <p:clrMapOvr>
     <a:masterClrMapping/>
   </p:clrMapOvr>
-  <p:timing>
-    <p:tnLst>
-      <p:par>
-        <p:cTn id="1" dur="indefinite" restart="never" nodeType="tmRoot"/>
-      </p:par>
-    </p:tnLst>
-  </p:timing>
 </p:sld>
 </file>
 
@@ -11327,13 +11630,6 @@
   <p:clrMapOvr>
     <a:masterClrMapping/>
   </p:clrMapOvr>
-  <p:timing>
-    <p:tnLst>
-      <p:par>
-        <p:cTn id="1" dur="indefinite" restart="never" nodeType="tmRoot"/>
-      </p:par>
-    </p:tnLst>
-  </p:timing>
 </p:sld>
 </file>
 
@@ -11952,13 +12248,6 @@
   <p:clrMapOvr>
     <a:masterClrMapping/>
   </p:clrMapOvr>
-  <p:timing>
-    <p:tnLst>
-      <p:par>
-        <p:cTn id="1" dur="indefinite" restart="never" nodeType="tmRoot"/>
-      </p:par>
-    </p:tnLst>
-  </p:timing>
 </p:sld>
 </file>
 
@@ -12080,13 +12369,6 @@
   <p:clrMapOvr>
     <a:masterClrMapping/>
   </p:clrMapOvr>
-  <p:timing>
-    <p:tnLst>
-      <p:par>
-        <p:cTn id="1" dur="indefinite" restart="never" nodeType="tmRoot"/>
-      </p:par>
-    </p:tnLst>
-  </p:timing>
 </p:sld>
 </file>
 
@@ -12222,11 +12504,11 @@
           <a:lstStyle/>
           <a:p>
             <a:r>
-              <a:rPr lang="en-US" altLang="zh-TW"/>
+              <a:rPr lang="en-US" altLang="zh-TW" dirty="0"/>
               <a:t>From </a:t>
             </a:r>
             <a:r>
-              <a:rPr lang="en-US" altLang="zh-TW">
+              <a:rPr lang="en-US" altLang="zh-TW" dirty="0">
                 <a:solidFill>
                   <a:srgbClr val="0000FF"/>
                 </a:solidFill>
@@ -12234,7 +12516,7 @@
               <a:t>Sells(bar, alcohol, price)</a:t>
             </a:r>
             <a:r>
-              <a:rPr lang="en-US" altLang="zh-TW"/>
+              <a:rPr lang="en-US" altLang="zh-TW" dirty="0"/>
               <a:t>, find the average price for each alcohol:</a:t>
             </a:r>
           </a:p>
@@ -12243,7 +12525,7 @@
               <a:buFont typeface="Wingdings" pitchFamily="2" charset="2"/>
               <a:buNone/>
             </a:pPr>
-            <a:endParaRPr lang="en-US" altLang="zh-TW"/>
+            <a:endParaRPr lang="en-US" altLang="zh-TW" dirty="0"/>
           </a:p>
           <a:p>
             <a:pPr>
@@ -12251,11 +12533,11 @@
               <a:buNone/>
             </a:pPr>
             <a:r>
-              <a:rPr lang="en-US" altLang="zh-TW"/>
+              <a:rPr lang="en-US" altLang="zh-TW" dirty="0"/>
               <a:t>	</a:t>
             </a:r>
             <a:r>
-              <a:rPr lang="en-US" altLang="zh-TW">
+              <a:rPr lang="en-US" altLang="zh-TW" dirty="0">
                 <a:latin typeface="Courier New" pitchFamily="49" charset="0"/>
               </a:rPr>
               <a:t>SELECT alcohol, AVG(price)</a:t>
@@ -12267,7 +12549,7 @@
               <a:buNone/>
             </a:pPr>
             <a:r>
-              <a:rPr lang="en-US" altLang="zh-TW">
+              <a:rPr lang="en-US" altLang="zh-TW" dirty="0">
                 <a:latin typeface="Courier New" pitchFamily="49" charset="0"/>
               </a:rPr>
               <a:t>	FROM Sells</a:t>
@@ -12279,13 +12561,13 @@
               <a:buNone/>
             </a:pPr>
             <a:r>
-              <a:rPr lang="en-US" altLang="zh-TW">
+              <a:rPr lang="en-US" altLang="zh-TW" dirty="0">
                 <a:latin typeface="Courier New" pitchFamily="49" charset="0"/>
               </a:rPr>
               <a:t>	</a:t>
             </a:r>
             <a:r>
-              <a:rPr lang="en-US" altLang="zh-TW">
+              <a:rPr lang="en-US" altLang="zh-TW" dirty="0">
                 <a:solidFill>
                   <a:srgbClr val="0000FF"/>
                 </a:solidFill>
@@ -12294,7 +12576,7 @@
               <a:t>GROUP BY alcohol</a:t>
             </a:r>
             <a:r>
-              <a:rPr lang="en-US" altLang="zh-TW">
+              <a:rPr lang="en-US" altLang="zh-TW" dirty="0">
                 <a:latin typeface="Courier New" pitchFamily="49" charset="0"/>
               </a:rPr>
               <a:t>;</a:t>
@@ -12310,7 +12592,303 @@
   <p:timing>
     <p:tnLst>
       <p:par>
-        <p:cTn id="1" dur="indefinite" restart="never" nodeType="tmRoot"/>
+        <p:cTn id="1" dur="indefinite" restart="never" nodeType="tmRoot">
+          <p:childTnLst>
+            <p:seq concurrent="1" nextAc="seek">
+              <p:cTn id="2" dur="indefinite" nodeType="mainSeq">
+                <p:childTnLst>
+                  <p:par>
+                    <p:cTn id="3" fill="hold">
+                      <p:stCondLst>
+                        <p:cond delay="indefinite"/>
+                      </p:stCondLst>
+                      <p:childTnLst>
+                        <p:par>
+                          <p:cTn id="4" fill="hold">
+                            <p:stCondLst>
+                              <p:cond delay="0"/>
+                            </p:stCondLst>
+                            <p:childTnLst>
+                              <p:par>
+                                <p:cTn id="5" presetID="2" presetClass="entr" presetSubtype="4" fill="hold" nodeType="clickEffect">
+                                  <p:stCondLst>
+                                    <p:cond delay="0"/>
+                                  </p:stCondLst>
+                                  <p:childTnLst>
+                                    <p:set>
+                                      <p:cBhvr>
+                                        <p:cTn id="6" dur="1" fill="hold">
+                                          <p:stCondLst>
+                                            <p:cond delay="0"/>
+                                          </p:stCondLst>
+                                        </p:cTn>
+                                        <p:tgtEl>
+                                          <p:spTgt spid="310275">
+                                            <p:txEl>
+                                              <p:pRg st="2" end="2"/>
+                                            </p:txEl>
+                                          </p:spTgt>
+                                        </p:tgtEl>
+                                        <p:attrNameLst>
+                                          <p:attrName>style.visibility</p:attrName>
+                                        </p:attrNameLst>
+                                      </p:cBhvr>
+                                      <p:to>
+                                        <p:strVal val="visible"/>
+                                      </p:to>
+                                    </p:set>
+                                    <p:anim calcmode="lin" valueType="num">
+                                      <p:cBhvr additive="base">
+                                        <p:cTn id="7" dur="500" fill="hold"/>
+                                        <p:tgtEl>
+                                          <p:spTgt spid="310275">
+                                            <p:txEl>
+                                              <p:pRg st="2" end="2"/>
+                                            </p:txEl>
+                                          </p:spTgt>
+                                        </p:tgtEl>
+                                        <p:attrNameLst>
+                                          <p:attrName>ppt_x</p:attrName>
+                                        </p:attrNameLst>
+                                      </p:cBhvr>
+                                      <p:tavLst>
+                                        <p:tav tm="0">
+                                          <p:val>
+                                            <p:strVal val="#ppt_x"/>
+                                          </p:val>
+                                        </p:tav>
+                                        <p:tav tm="100000">
+                                          <p:val>
+                                            <p:strVal val="#ppt_x"/>
+                                          </p:val>
+                                        </p:tav>
+                                      </p:tavLst>
+                                    </p:anim>
+                                    <p:anim calcmode="lin" valueType="num">
+                                      <p:cBhvr additive="base">
+                                        <p:cTn id="8" dur="500" fill="hold"/>
+                                        <p:tgtEl>
+                                          <p:spTgt spid="310275">
+                                            <p:txEl>
+                                              <p:pRg st="2" end="2"/>
+                                            </p:txEl>
+                                          </p:spTgt>
+                                        </p:tgtEl>
+                                        <p:attrNameLst>
+                                          <p:attrName>ppt_y</p:attrName>
+                                        </p:attrNameLst>
+                                      </p:cBhvr>
+                                      <p:tavLst>
+                                        <p:tav tm="0">
+                                          <p:val>
+                                            <p:strVal val="1+#ppt_h/2"/>
+                                          </p:val>
+                                        </p:tav>
+                                        <p:tav tm="100000">
+                                          <p:val>
+                                            <p:strVal val="#ppt_y"/>
+                                          </p:val>
+                                        </p:tav>
+                                      </p:tavLst>
+                                    </p:anim>
+                                  </p:childTnLst>
+                                </p:cTn>
+                              </p:par>
+                              <p:par>
+                                <p:cTn id="9" presetID="2" presetClass="entr" presetSubtype="4" fill="hold" nodeType="withEffect">
+                                  <p:stCondLst>
+                                    <p:cond delay="0"/>
+                                  </p:stCondLst>
+                                  <p:childTnLst>
+                                    <p:set>
+                                      <p:cBhvr>
+                                        <p:cTn id="10" dur="1" fill="hold">
+                                          <p:stCondLst>
+                                            <p:cond delay="0"/>
+                                          </p:stCondLst>
+                                        </p:cTn>
+                                        <p:tgtEl>
+                                          <p:spTgt spid="310275">
+                                            <p:txEl>
+                                              <p:pRg st="3" end="3"/>
+                                            </p:txEl>
+                                          </p:spTgt>
+                                        </p:tgtEl>
+                                        <p:attrNameLst>
+                                          <p:attrName>style.visibility</p:attrName>
+                                        </p:attrNameLst>
+                                      </p:cBhvr>
+                                      <p:to>
+                                        <p:strVal val="visible"/>
+                                      </p:to>
+                                    </p:set>
+                                    <p:anim calcmode="lin" valueType="num">
+                                      <p:cBhvr additive="base">
+                                        <p:cTn id="11" dur="500" fill="hold"/>
+                                        <p:tgtEl>
+                                          <p:spTgt spid="310275">
+                                            <p:txEl>
+                                              <p:pRg st="3" end="3"/>
+                                            </p:txEl>
+                                          </p:spTgt>
+                                        </p:tgtEl>
+                                        <p:attrNameLst>
+                                          <p:attrName>ppt_x</p:attrName>
+                                        </p:attrNameLst>
+                                      </p:cBhvr>
+                                      <p:tavLst>
+                                        <p:tav tm="0">
+                                          <p:val>
+                                            <p:strVal val="#ppt_x"/>
+                                          </p:val>
+                                        </p:tav>
+                                        <p:tav tm="100000">
+                                          <p:val>
+                                            <p:strVal val="#ppt_x"/>
+                                          </p:val>
+                                        </p:tav>
+                                      </p:tavLst>
+                                    </p:anim>
+                                    <p:anim calcmode="lin" valueType="num">
+                                      <p:cBhvr additive="base">
+                                        <p:cTn id="12" dur="500" fill="hold"/>
+                                        <p:tgtEl>
+                                          <p:spTgt spid="310275">
+                                            <p:txEl>
+                                              <p:pRg st="3" end="3"/>
+                                            </p:txEl>
+                                          </p:spTgt>
+                                        </p:tgtEl>
+                                        <p:attrNameLst>
+                                          <p:attrName>ppt_y</p:attrName>
+                                        </p:attrNameLst>
+                                      </p:cBhvr>
+                                      <p:tavLst>
+                                        <p:tav tm="0">
+                                          <p:val>
+                                            <p:strVal val="1+#ppt_h/2"/>
+                                          </p:val>
+                                        </p:tav>
+                                        <p:tav tm="100000">
+                                          <p:val>
+                                            <p:strVal val="#ppt_y"/>
+                                          </p:val>
+                                        </p:tav>
+                                      </p:tavLst>
+                                    </p:anim>
+                                  </p:childTnLst>
+                                </p:cTn>
+                              </p:par>
+                              <p:par>
+                                <p:cTn id="13" presetID="2" presetClass="entr" presetSubtype="4" fill="hold" nodeType="withEffect">
+                                  <p:stCondLst>
+                                    <p:cond delay="0"/>
+                                  </p:stCondLst>
+                                  <p:childTnLst>
+                                    <p:set>
+                                      <p:cBhvr>
+                                        <p:cTn id="14" dur="1" fill="hold">
+                                          <p:stCondLst>
+                                            <p:cond delay="0"/>
+                                          </p:stCondLst>
+                                        </p:cTn>
+                                        <p:tgtEl>
+                                          <p:spTgt spid="310275">
+                                            <p:txEl>
+                                              <p:pRg st="4" end="4"/>
+                                            </p:txEl>
+                                          </p:spTgt>
+                                        </p:tgtEl>
+                                        <p:attrNameLst>
+                                          <p:attrName>style.visibility</p:attrName>
+                                        </p:attrNameLst>
+                                      </p:cBhvr>
+                                      <p:to>
+                                        <p:strVal val="visible"/>
+                                      </p:to>
+                                    </p:set>
+                                    <p:anim calcmode="lin" valueType="num">
+                                      <p:cBhvr additive="base">
+                                        <p:cTn id="15" dur="500" fill="hold"/>
+                                        <p:tgtEl>
+                                          <p:spTgt spid="310275">
+                                            <p:txEl>
+                                              <p:pRg st="4" end="4"/>
+                                            </p:txEl>
+                                          </p:spTgt>
+                                        </p:tgtEl>
+                                        <p:attrNameLst>
+                                          <p:attrName>ppt_x</p:attrName>
+                                        </p:attrNameLst>
+                                      </p:cBhvr>
+                                      <p:tavLst>
+                                        <p:tav tm="0">
+                                          <p:val>
+                                            <p:strVal val="#ppt_x"/>
+                                          </p:val>
+                                        </p:tav>
+                                        <p:tav tm="100000">
+                                          <p:val>
+                                            <p:strVal val="#ppt_x"/>
+                                          </p:val>
+                                        </p:tav>
+                                      </p:tavLst>
+                                    </p:anim>
+                                    <p:anim calcmode="lin" valueType="num">
+                                      <p:cBhvr additive="base">
+                                        <p:cTn id="16" dur="500" fill="hold"/>
+                                        <p:tgtEl>
+                                          <p:spTgt spid="310275">
+                                            <p:txEl>
+                                              <p:pRg st="4" end="4"/>
+                                            </p:txEl>
+                                          </p:spTgt>
+                                        </p:tgtEl>
+                                        <p:attrNameLst>
+                                          <p:attrName>ppt_y</p:attrName>
+                                        </p:attrNameLst>
+                                      </p:cBhvr>
+                                      <p:tavLst>
+                                        <p:tav tm="0">
+                                          <p:val>
+                                            <p:strVal val="1+#ppt_h/2"/>
+                                          </p:val>
+                                        </p:tav>
+                                        <p:tav tm="100000">
+                                          <p:val>
+                                            <p:strVal val="#ppt_y"/>
+                                          </p:val>
+                                        </p:tav>
+                                      </p:tavLst>
+                                    </p:anim>
+                                  </p:childTnLst>
+                                </p:cTn>
+                              </p:par>
+                            </p:childTnLst>
+                          </p:cTn>
+                        </p:par>
+                      </p:childTnLst>
+                    </p:cTn>
+                  </p:par>
+                </p:childTnLst>
+              </p:cTn>
+              <p:prevCondLst>
+                <p:cond evt="onPrev" delay="0">
+                  <p:tgtEl>
+                    <p:sldTgt/>
+                  </p:tgtEl>
+                </p:cond>
+              </p:prevCondLst>
+              <p:nextCondLst>
+                <p:cond evt="onNext" delay="0">
+                  <p:tgtEl>
+                    <p:sldTgt/>
+                  </p:tgtEl>
+                </p:cond>
+              </p:nextCondLst>
+            </p:seq>
+          </p:childTnLst>
+        </p:cTn>
       </p:par>
     </p:tnLst>
   </p:timing>
@@ -12502,11 +13080,11 @@
           <a:lstStyle/>
           <a:p>
             <a:r>
-              <a:rPr lang="en-US" altLang="zh-TW" sz="2800"/>
+              <a:rPr lang="en-US" altLang="zh-TW" sz="2800" dirty="0"/>
               <a:t>From </a:t>
             </a:r>
             <a:r>
-              <a:rPr lang="en-US" altLang="zh-TW" sz="2800">
+              <a:rPr lang="en-US" altLang="zh-TW" sz="2800" dirty="0">
                 <a:solidFill>
                   <a:srgbClr val="0000FF"/>
                 </a:solidFill>
@@ -12514,11 +13092,11 @@
               <a:t>Sells(bar, alcohol, price)</a:t>
             </a:r>
             <a:r>
-              <a:rPr lang="en-US" altLang="zh-TW" sz="2800"/>
+              <a:rPr lang="en-US" altLang="zh-TW" sz="2800" dirty="0"/>
               <a:t> and </a:t>
             </a:r>
             <a:r>
-              <a:rPr lang="en-US" altLang="zh-TW" sz="2800">
+              <a:rPr lang="en-US" altLang="zh-TW" sz="2800" dirty="0">
                 <a:solidFill>
                   <a:srgbClr val="0000FF"/>
                 </a:solidFill>
@@ -12526,17 +13104,17 @@
               <a:t>Frequents(drinker, bar)</a:t>
             </a:r>
             <a:r>
-              <a:rPr lang="en-US" altLang="zh-TW" sz="2800"/>
+              <a:rPr lang="en-US" altLang="zh-TW" sz="2800" dirty="0"/>
               <a:t>, find for each drinker the average price of TB</a:t>
             </a:r>
             <a:r>
-              <a:rPr lang="zh-TW" altLang="en-US" sz="2800">
+              <a:rPr lang="zh-TW" altLang="en-US" sz="2800" dirty="0">
                 <a:ea typeface="標楷體" pitchFamily="65" charset="-120"/>
               </a:rPr>
               <a:t>台啤 </a:t>
             </a:r>
             <a:r>
-              <a:rPr lang="en-US" altLang="zh-TW" sz="2800"/>
+              <a:rPr lang="en-US" altLang="zh-TW" sz="2800" dirty="0"/>
               <a:t>at the bars they frequent:</a:t>
             </a:r>
           </a:p>
@@ -12546,7 +13124,7 @@
               <a:buNone/>
             </a:pPr>
             <a:r>
-              <a:rPr lang="en-US" altLang="zh-TW" sz="2800"/>
+              <a:rPr lang="en-US" altLang="zh-TW" sz="2800" dirty="0"/>
               <a:t>		SELECT drinker, AVG(price)</a:t>
             </a:r>
           </a:p>
@@ -12556,7 +13134,7 @@
               <a:buNone/>
             </a:pPr>
             <a:r>
-              <a:rPr lang="en-US" altLang="zh-TW" sz="2800"/>
+              <a:rPr lang="en-US" altLang="zh-TW" sz="2800" dirty="0"/>
               <a:t>		FROM Frequents, Sells</a:t>
             </a:r>
           </a:p>
@@ -12566,37 +13144,37 @@
               <a:buNone/>
             </a:pPr>
             <a:r>
-              <a:rPr lang="en-US" altLang="zh-TW" sz="2800"/>
+              <a:rPr lang="en-US" altLang="zh-TW" sz="2800" dirty="0"/>
               <a:t>		WHERE alcohol = </a:t>
             </a:r>
             <a:r>
-              <a:rPr lang="en-US" altLang="zh-TW" sz="2800">
+              <a:rPr lang="en-US" altLang="zh-TW" sz="2800" dirty="0">
                 <a:latin typeface="Tahoma"/>
               </a:rPr>
               <a:t>‘</a:t>
             </a:r>
             <a:r>
-              <a:rPr lang="en-US" altLang="zh-TW" sz="2800"/>
+              <a:rPr lang="en-US" altLang="zh-TW" sz="2800" dirty="0"/>
               <a:t>TB</a:t>
             </a:r>
             <a:r>
-              <a:rPr lang="zh-TW" altLang="en-US" sz="2800">
+              <a:rPr lang="zh-TW" altLang="en-US" sz="2800" dirty="0">
                 <a:ea typeface="標楷體" pitchFamily="65" charset="-120"/>
               </a:rPr>
               <a:t>台啤</a:t>
             </a:r>
             <a:r>
-              <a:rPr lang="zh-TW" altLang="en-US" sz="2800">
+              <a:rPr lang="zh-TW" altLang="en-US" sz="2800" dirty="0">
                 <a:latin typeface="Tahoma"/>
               </a:rPr>
               <a:t>’</a:t>
             </a:r>
             <a:r>
-              <a:rPr lang="zh-TW" altLang="en-US" sz="2800"/>
+              <a:rPr lang="zh-TW" altLang="en-US" sz="2800" dirty="0"/>
               <a:t> </a:t>
             </a:r>
             <a:r>
-              <a:rPr lang="en-US" altLang="zh-TW" sz="2800"/>
+              <a:rPr lang="en-US" altLang="zh-TW" sz="2800" dirty="0"/>
               <a:t>AND</a:t>
             </a:r>
           </a:p>
@@ -12606,9 +13184,22 @@
               <a:buNone/>
             </a:pPr>
             <a:r>
-              <a:rPr lang="en-US" altLang="zh-TW" sz="2800"/>
-              <a:t>			Frequents.bar = Sells.bar</a:t>
-            </a:r>
+              <a:rPr lang="en-US" altLang="zh-TW" sz="2800" dirty="0"/>
+              <a:t>			</a:t>
+            </a:r>
+            <a:r>
+              <a:rPr lang="en-US" altLang="zh-TW" sz="2800" dirty="0" err="1"/>
+              <a:t>Frequents.bar</a:t>
+            </a:r>
+            <a:r>
+              <a:rPr lang="en-US" altLang="zh-TW" sz="2800" dirty="0"/>
+              <a:t> = </a:t>
+            </a:r>
+            <a:r>
+              <a:rPr lang="en-US" altLang="zh-TW" sz="2800" dirty="0" err="1"/>
+              <a:t>Sells.bar</a:t>
+            </a:r>
+            <a:endParaRPr lang="en-US" altLang="zh-TW" sz="2800" dirty="0"/>
           </a:p>
           <a:p>
             <a:pPr>
@@ -12616,7 +13207,7 @@
               <a:buNone/>
             </a:pPr>
             <a:r>
-              <a:rPr lang="en-US" altLang="zh-TW" sz="2800"/>
+              <a:rPr lang="en-US" altLang="zh-TW" sz="2800" dirty="0"/>
               <a:t>		GROUP BY drinker;</a:t>
             </a:r>
           </a:p>
@@ -12794,7 +13385,473 @@
   <p:timing>
     <p:tnLst>
       <p:par>
-        <p:cTn id="1" dur="indefinite" restart="never" nodeType="tmRoot"/>
+        <p:cTn id="1" dur="indefinite" restart="never" nodeType="tmRoot">
+          <p:childTnLst>
+            <p:seq concurrent="1" nextAc="seek">
+              <p:cTn id="2" dur="indefinite" nodeType="mainSeq">
+                <p:childTnLst>
+                  <p:par>
+                    <p:cTn id="3" fill="hold">
+                      <p:stCondLst>
+                        <p:cond delay="indefinite"/>
+                      </p:stCondLst>
+                      <p:childTnLst>
+                        <p:par>
+                          <p:cTn id="4" fill="hold">
+                            <p:stCondLst>
+                              <p:cond delay="0"/>
+                            </p:stCondLst>
+                            <p:childTnLst>
+                              <p:par>
+                                <p:cTn id="5" presetID="2" presetClass="entr" presetSubtype="4" fill="hold" nodeType="clickEffect">
+                                  <p:stCondLst>
+                                    <p:cond delay="0"/>
+                                  </p:stCondLst>
+                                  <p:childTnLst>
+                                    <p:set>
+                                      <p:cBhvr>
+                                        <p:cTn id="6" dur="1" fill="hold">
+                                          <p:stCondLst>
+                                            <p:cond delay="0"/>
+                                          </p:stCondLst>
+                                        </p:cTn>
+                                        <p:tgtEl>
+                                          <p:spTgt spid="311299">
+                                            <p:txEl>
+                                              <p:pRg st="1" end="1"/>
+                                            </p:txEl>
+                                          </p:spTgt>
+                                        </p:tgtEl>
+                                        <p:attrNameLst>
+                                          <p:attrName>style.visibility</p:attrName>
+                                        </p:attrNameLst>
+                                      </p:cBhvr>
+                                      <p:to>
+                                        <p:strVal val="visible"/>
+                                      </p:to>
+                                    </p:set>
+                                    <p:anim calcmode="lin" valueType="num">
+                                      <p:cBhvr additive="base">
+                                        <p:cTn id="7" dur="500" fill="hold"/>
+                                        <p:tgtEl>
+                                          <p:spTgt spid="311299">
+                                            <p:txEl>
+                                              <p:pRg st="1" end="1"/>
+                                            </p:txEl>
+                                          </p:spTgt>
+                                        </p:tgtEl>
+                                        <p:attrNameLst>
+                                          <p:attrName>ppt_x</p:attrName>
+                                        </p:attrNameLst>
+                                      </p:cBhvr>
+                                      <p:tavLst>
+                                        <p:tav tm="0">
+                                          <p:val>
+                                            <p:strVal val="#ppt_x"/>
+                                          </p:val>
+                                        </p:tav>
+                                        <p:tav tm="100000">
+                                          <p:val>
+                                            <p:strVal val="#ppt_x"/>
+                                          </p:val>
+                                        </p:tav>
+                                      </p:tavLst>
+                                    </p:anim>
+                                    <p:anim calcmode="lin" valueType="num">
+                                      <p:cBhvr additive="base">
+                                        <p:cTn id="8" dur="500" fill="hold"/>
+                                        <p:tgtEl>
+                                          <p:spTgt spid="311299">
+                                            <p:txEl>
+                                              <p:pRg st="1" end="1"/>
+                                            </p:txEl>
+                                          </p:spTgt>
+                                        </p:tgtEl>
+                                        <p:attrNameLst>
+                                          <p:attrName>ppt_y</p:attrName>
+                                        </p:attrNameLst>
+                                      </p:cBhvr>
+                                      <p:tavLst>
+                                        <p:tav tm="0">
+                                          <p:val>
+                                            <p:strVal val="1+#ppt_h/2"/>
+                                          </p:val>
+                                        </p:tav>
+                                        <p:tav tm="100000">
+                                          <p:val>
+                                            <p:strVal val="#ppt_y"/>
+                                          </p:val>
+                                        </p:tav>
+                                      </p:tavLst>
+                                    </p:anim>
+                                  </p:childTnLst>
+                                </p:cTn>
+                              </p:par>
+                              <p:par>
+                                <p:cTn id="9" presetID="2" presetClass="entr" presetSubtype="4" fill="hold" nodeType="withEffect">
+                                  <p:stCondLst>
+                                    <p:cond delay="0"/>
+                                  </p:stCondLst>
+                                  <p:childTnLst>
+                                    <p:set>
+                                      <p:cBhvr>
+                                        <p:cTn id="10" dur="1" fill="hold">
+                                          <p:stCondLst>
+                                            <p:cond delay="0"/>
+                                          </p:stCondLst>
+                                        </p:cTn>
+                                        <p:tgtEl>
+                                          <p:spTgt spid="311299">
+                                            <p:txEl>
+                                              <p:pRg st="2" end="2"/>
+                                            </p:txEl>
+                                          </p:spTgt>
+                                        </p:tgtEl>
+                                        <p:attrNameLst>
+                                          <p:attrName>style.visibility</p:attrName>
+                                        </p:attrNameLst>
+                                      </p:cBhvr>
+                                      <p:to>
+                                        <p:strVal val="visible"/>
+                                      </p:to>
+                                    </p:set>
+                                    <p:anim calcmode="lin" valueType="num">
+                                      <p:cBhvr additive="base">
+                                        <p:cTn id="11" dur="500" fill="hold"/>
+                                        <p:tgtEl>
+                                          <p:spTgt spid="311299">
+                                            <p:txEl>
+                                              <p:pRg st="2" end="2"/>
+                                            </p:txEl>
+                                          </p:spTgt>
+                                        </p:tgtEl>
+                                        <p:attrNameLst>
+                                          <p:attrName>ppt_x</p:attrName>
+                                        </p:attrNameLst>
+                                      </p:cBhvr>
+                                      <p:tavLst>
+                                        <p:tav tm="0">
+                                          <p:val>
+                                            <p:strVal val="#ppt_x"/>
+                                          </p:val>
+                                        </p:tav>
+                                        <p:tav tm="100000">
+                                          <p:val>
+                                            <p:strVal val="#ppt_x"/>
+                                          </p:val>
+                                        </p:tav>
+                                      </p:tavLst>
+                                    </p:anim>
+                                    <p:anim calcmode="lin" valueType="num">
+                                      <p:cBhvr additive="base">
+                                        <p:cTn id="12" dur="500" fill="hold"/>
+                                        <p:tgtEl>
+                                          <p:spTgt spid="311299">
+                                            <p:txEl>
+                                              <p:pRg st="2" end="2"/>
+                                            </p:txEl>
+                                          </p:spTgt>
+                                        </p:tgtEl>
+                                        <p:attrNameLst>
+                                          <p:attrName>ppt_y</p:attrName>
+                                        </p:attrNameLst>
+                                      </p:cBhvr>
+                                      <p:tavLst>
+                                        <p:tav tm="0">
+                                          <p:val>
+                                            <p:strVal val="1+#ppt_h/2"/>
+                                          </p:val>
+                                        </p:tav>
+                                        <p:tav tm="100000">
+                                          <p:val>
+                                            <p:strVal val="#ppt_y"/>
+                                          </p:val>
+                                        </p:tav>
+                                      </p:tavLst>
+                                    </p:anim>
+                                  </p:childTnLst>
+                                </p:cTn>
+                              </p:par>
+                              <p:par>
+                                <p:cTn id="13" presetID="2" presetClass="entr" presetSubtype="4" fill="hold" nodeType="withEffect">
+                                  <p:stCondLst>
+                                    <p:cond delay="0"/>
+                                  </p:stCondLst>
+                                  <p:childTnLst>
+                                    <p:set>
+                                      <p:cBhvr>
+                                        <p:cTn id="14" dur="1" fill="hold">
+                                          <p:stCondLst>
+                                            <p:cond delay="0"/>
+                                          </p:stCondLst>
+                                        </p:cTn>
+                                        <p:tgtEl>
+                                          <p:spTgt spid="311299">
+                                            <p:txEl>
+                                              <p:pRg st="3" end="3"/>
+                                            </p:txEl>
+                                          </p:spTgt>
+                                        </p:tgtEl>
+                                        <p:attrNameLst>
+                                          <p:attrName>style.visibility</p:attrName>
+                                        </p:attrNameLst>
+                                      </p:cBhvr>
+                                      <p:to>
+                                        <p:strVal val="visible"/>
+                                      </p:to>
+                                    </p:set>
+                                    <p:anim calcmode="lin" valueType="num">
+                                      <p:cBhvr additive="base">
+                                        <p:cTn id="15" dur="500" fill="hold"/>
+                                        <p:tgtEl>
+                                          <p:spTgt spid="311299">
+                                            <p:txEl>
+                                              <p:pRg st="3" end="3"/>
+                                            </p:txEl>
+                                          </p:spTgt>
+                                        </p:tgtEl>
+                                        <p:attrNameLst>
+                                          <p:attrName>ppt_x</p:attrName>
+                                        </p:attrNameLst>
+                                      </p:cBhvr>
+                                      <p:tavLst>
+                                        <p:tav tm="0">
+                                          <p:val>
+                                            <p:strVal val="#ppt_x"/>
+                                          </p:val>
+                                        </p:tav>
+                                        <p:tav tm="100000">
+                                          <p:val>
+                                            <p:strVal val="#ppt_x"/>
+                                          </p:val>
+                                        </p:tav>
+                                      </p:tavLst>
+                                    </p:anim>
+                                    <p:anim calcmode="lin" valueType="num">
+                                      <p:cBhvr additive="base">
+                                        <p:cTn id="16" dur="500" fill="hold"/>
+                                        <p:tgtEl>
+                                          <p:spTgt spid="311299">
+                                            <p:txEl>
+                                              <p:pRg st="3" end="3"/>
+                                            </p:txEl>
+                                          </p:spTgt>
+                                        </p:tgtEl>
+                                        <p:attrNameLst>
+                                          <p:attrName>ppt_y</p:attrName>
+                                        </p:attrNameLst>
+                                      </p:cBhvr>
+                                      <p:tavLst>
+                                        <p:tav tm="0">
+                                          <p:val>
+                                            <p:strVal val="1+#ppt_h/2"/>
+                                          </p:val>
+                                        </p:tav>
+                                        <p:tav tm="100000">
+                                          <p:val>
+                                            <p:strVal val="#ppt_y"/>
+                                          </p:val>
+                                        </p:tav>
+                                      </p:tavLst>
+                                    </p:anim>
+                                  </p:childTnLst>
+                                </p:cTn>
+                              </p:par>
+                              <p:par>
+                                <p:cTn id="17" presetID="2" presetClass="entr" presetSubtype="4" fill="hold" nodeType="withEffect">
+                                  <p:stCondLst>
+                                    <p:cond delay="0"/>
+                                  </p:stCondLst>
+                                  <p:childTnLst>
+                                    <p:set>
+                                      <p:cBhvr>
+                                        <p:cTn id="18" dur="1" fill="hold">
+                                          <p:stCondLst>
+                                            <p:cond delay="0"/>
+                                          </p:stCondLst>
+                                        </p:cTn>
+                                        <p:tgtEl>
+                                          <p:spTgt spid="311299">
+                                            <p:txEl>
+                                              <p:pRg st="4" end="4"/>
+                                            </p:txEl>
+                                          </p:spTgt>
+                                        </p:tgtEl>
+                                        <p:attrNameLst>
+                                          <p:attrName>style.visibility</p:attrName>
+                                        </p:attrNameLst>
+                                      </p:cBhvr>
+                                      <p:to>
+                                        <p:strVal val="visible"/>
+                                      </p:to>
+                                    </p:set>
+                                    <p:anim calcmode="lin" valueType="num">
+                                      <p:cBhvr additive="base">
+                                        <p:cTn id="19" dur="500" fill="hold"/>
+                                        <p:tgtEl>
+                                          <p:spTgt spid="311299">
+                                            <p:txEl>
+                                              <p:pRg st="4" end="4"/>
+                                            </p:txEl>
+                                          </p:spTgt>
+                                        </p:tgtEl>
+                                        <p:attrNameLst>
+                                          <p:attrName>ppt_x</p:attrName>
+                                        </p:attrNameLst>
+                                      </p:cBhvr>
+                                      <p:tavLst>
+                                        <p:tav tm="0">
+                                          <p:val>
+                                            <p:strVal val="#ppt_x"/>
+                                          </p:val>
+                                        </p:tav>
+                                        <p:tav tm="100000">
+                                          <p:val>
+                                            <p:strVal val="#ppt_x"/>
+                                          </p:val>
+                                        </p:tav>
+                                      </p:tavLst>
+                                    </p:anim>
+                                    <p:anim calcmode="lin" valueType="num">
+                                      <p:cBhvr additive="base">
+                                        <p:cTn id="20" dur="500" fill="hold"/>
+                                        <p:tgtEl>
+                                          <p:spTgt spid="311299">
+                                            <p:txEl>
+                                              <p:pRg st="4" end="4"/>
+                                            </p:txEl>
+                                          </p:spTgt>
+                                        </p:tgtEl>
+                                        <p:attrNameLst>
+                                          <p:attrName>ppt_y</p:attrName>
+                                        </p:attrNameLst>
+                                      </p:cBhvr>
+                                      <p:tavLst>
+                                        <p:tav tm="0">
+                                          <p:val>
+                                            <p:strVal val="1+#ppt_h/2"/>
+                                          </p:val>
+                                        </p:tav>
+                                        <p:tav tm="100000">
+                                          <p:val>
+                                            <p:strVal val="#ppt_y"/>
+                                          </p:val>
+                                        </p:tav>
+                                      </p:tavLst>
+                                    </p:anim>
+                                  </p:childTnLst>
+                                </p:cTn>
+                              </p:par>
+                              <p:par>
+                                <p:cTn id="21" presetID="2" presetClass="entr" presetSubtype="4" fill="hold" nodeType="withEffect">
+                                  <p:stCondLst>
+                                    <p:cond delay="0"/>
+                                  </p:stCondLst>
+                                  <p:childTnLst>
+                                    <p:set>
+                                      <p:cBhvr>
+                                        <p:cTn id="22" dur="1" fill="hold">
+                                          <p:stCondLst>
+                                            <p:cond delay="0"/>
+                                          </p:stCondLst>
+                                        </p:cTn>
+                                        <p:tgtEl>
+                                          <p:spTgt spid="311299">
+                                            <p:txEl>
+                                              <p:pRg st="5" end="5"/>
+                                            </p:txEl>
+                                          </p:spTgt>
+                                        </p:tgtEl>
+                                        <p:attrNameLst>
+                                          <p:attrName>style.visibility</p:attrName>
+                                        </p:attrNameLst>
+                                      </p:cBhvr>
+                                      <p:to>
+                                        <p:strVal val="visible"/>
+                                      </p:to>
+                                    </p:set>
+                                    <p:anim calcmode="lin" valueType="num">
+                                      <p:cBhvr additive="base">
+                                        <p:cTn id="23" dur="500" fill="hold"/>
+                                        <p:tgtEl>
+                                          <p:spTgt spid="311299">
+                                            <p:txEl>
+                                              <p:pRg st="5" end="5"/>
+                                            </p:txEl>
+                                          </p:spTgt>
+                                        </p:tgtEl>
+                                        <p:attrNameLst>
+                                          <p:attrName>ppt_x</p:attrName>
+                                        </p:attrNameLst>
+                                      </p:cBhvr>
+                                      <p:tavLst>
+                                        <p:tav tm="0">
+                                          <p:val>
+                                            <p:strVal val="#ppt_x"/>
+                                          </p:val>
+                                        </p:tav>
+                                        <p:tav tm="100000">
+                                          <p:val>
+                                            <p:strVal val="#ppt_x"/>
+                                          </p:val>
+                                        </p:tav>
+                                      </p:tavLst>
+                                    </p:anim>
+                                    <p:anim calcmode="lin" valueType="num">
+                                      <p:cBhvr additive="base">
+                                        <p:cTn id="24" dur="500" fill="hold"/>
+                                        <p:tgtEl>
+                                          <p:spTgt spid="311299">
+                                            <p:txEl>
+                                              <p:pRg st="5" end="5"/>
+                                            </p:txEl>
+                                          </p:spTgt>
+                                        </p:tgtEl>
+                                        <p:attrNameLst>
+                                          <p:attrName>ppt_y</p:attrName>
+                                        </p:attrNameLst>
+                                      </p:cBhvr>
+                                      <p:tavLst>
+                                        <p:tav tm="0">
+                                          <p:val>
+                                            <p:strVal val="1+#ppt_h/2"/>
+                                          </p:val>
+                                        </p:tav>
+                                        <p:tav tm="100000">
+                                          <p:val>
+                                            <p:strVal val="#ppt_y"/>
+                                          </p:val>
+                                        </p:tav>
+                                      </p:tavLst>
+                                    </p:anim>
+                                  </p:childTnLst>
+                                </p:cTn>
+                              </p:par>
+                            </p:childTnLst>
+                          </p:cTn>
+                        </p:par>
+                      </p:childTnLst>
+                    </p:cTn>
+                  </p:par>
+                </p:childTnLst>
+              </p:cTn>
+              <p:prevCondLst>
+                <p:cond evt="onPrev" delay="0">
+                  <p:tgtEl>
+                    <p:sldTgt/>
+                  </p:tgtEl>
+                </p:cond>
+              </p:prevCondLst>
+              <p:nextCondLst>
+                <p:cond evt="onNext" delay="0">
+                  <p:tgtEl>
+                    <p:sldTgt/>
+                  </p:tgtEl>
+                </p:cond>
+              </p:nextCondLst>
+            </p:seq>
+          </p:childTnLst>
+        </p:cTn>
       </p:par>
     </p:tnLst>
   </p:timing>
@@ -12922,13 +13979,6 @@
   <p:clrMapOvr>
     <a:masterClrMapping/>
   </p:clrMapOvr>
-  <p:timing>
-    <p:tnLst>
-      <p:par>
-        <p:cTn id="1" dur="indefinite" restart="never" nodeType="tmRoot"/>
-      </p:par>
-    </p:tnLst>
-  </p:timing>
 </p:sld>
 </file>
 
@@ -13042,7 +14092,7 @@
           <a:lstStyle/>
           <a:p>
             <a:r>
-              <a:rPr lang="en-US" altLang="zh-TW"/>
+              <a:rPr lang="en-US" altLang="zh-TW" dirty="0"/>
               <a:t>Illegal Query Example</a:t>
             </a:r>
           </a:p>
@@ -13069,21 +14119,21 @@
           <a:lstStyle/>
           <a:p>
             <a:r>
-              <a:rPr lang="en-US" altLang="zh-TW"/>
+              <a:rPr lang="en-US" altLang="zh-TW" dirty="0"/>
               <a:t>You might think you could find the bar that sells </a:t>
             </a:r>
             <a:r>
-              <a:rPr lang="en-US" altLang="zh-TW" sz="2800"/>
+              <a:rPr lang="en-US" altLang="zh-TW" sz="2800" dirty="0"/>
               <a:t>TB</a:t>
             </a:r>
             <a:r>
-              <a:rPr lang="zh-TW" altLang="en-US" sz="2800">
+              <a:rPr lang="zh-TW" altLang="en-US" sz="2800" dirty="0">
                 <a:ea typeface="標楷體" pitchFamily="65" charset="-120"/>
               </a:rPr>
               <a:t>台啤 </a:t>
             </a:r>
             <a:r>
-              <a:rPr lang="en-US" altLang="zh-TW"/>
+              <a:rPr lang="en-US" altLang="zh-TW" dirty="0"/>
               <a:t>the cheapest by:</a:t>
             </a:r>
           </a:p>
@@ -13093,15 +14143,15 @@
               <a:buNone/>
             </a:pPr>
             <a:r>
-              <a:rPr lang="en-US" altLang="zh-TW"/>
+              <a:rPr lang="en-US" altLang="zh-TW" dirty="0"/>
               <a:t>		</a:t>
             </a:r>
             <a:r>
-              <a:rPr lang="en-US" altLang="zh-TW" sz="2800"/>
+              <a:rPr lang="en-US" altLang="zh-TW" sz="2800" dirty="0"/>
               <a:t>SELECT </a:t>
             </a:r>
             <a:r>
-              <a:rPr lang="en-US" altLang="zh-TW" sz="2800">
+              <a:rPr lang="en-US" altLang="zh-TW" sz="2800" dirty="0">
                 <a:solidFill>
                   <a:srgbClr val="FF0000"/>
                 </a:solidFill>
@@ -13109,7 +14159,7 @@
               <a:t>bar</a:t>
             </a:r>
             <a:r>
-              <a:rPr lang="en-US" altLang="zh-TW" sz="2800"/>
+              <a:rPr lang="en-US" altLang="zh-TW" sz="2800" dirty="0"/>
               <a:t>, MIN(price)</a:t>
             </a:r>
           </a:p>
@@ -13119,7 +14169,7 @@
               <a:buNone/>
             </a:pPr>
             <a:r>
-              <a:rPr lang="en-US" altLang="zh-TW" sz="2800"/>
+              <a:rPr lang="en-US" altLang="zh-TW" sz="2800" dirty="0"/>
               <a:t>		FROM Sells</a:t>
             </a:r>
           </a:p>
@@ -13129,38 +14179,38 @@
               <a:buNone/>
             </a:pPr>
             <a:r>
-              <a:rPr lang="en-US" altLang="zh-TW" sz="2800"/>
+              <a:rPr lang="en-US" altLang="zh-TW" sz="2800" dirty="0"/>
               <a:t>		WHERE alcohol = ‘TB</a:t>
             </a:r>
             <a:r>
-              <a:rPr lang="zh-TW" altLang="en-US" sz="2800">
+              <a:rPr lang="zh-TW" altLang="en-US" sz="2800" dirty="0">
                 <a:ea typeface="標楷體" pitchFamily="65" charset="-120"/>
               </a:rPr>
               <a:t>台啤</a:t>
             </a:r>
             <a:r>
-              <a:rPr lang="zh-TW" altLang="en-US" sz="2800"/>
+              <a:rPr lang="zh-TW" altLang="en-US" sz="2800" dirty="0"/>
               <a:t>’</a:t>
             </a:r>
             <a:r>
-              <a:rPr lang="en-US" altLang="zh-TW" sz="2800"/>
+              <a:rPr lang="en-US" altLang="zh-TW" sz="2800" dirty="0"/>
               <a:t>;</a:t>
             </a:r>
           </a:p>
           <a:p>
             <a:r>
-              <a:rPr lang="en-US" altLang="zh-TW"/>
+              <a:rPr lang="en-US" altLang="zh-TW" dirty="0"/>
               <a:t>But this query is illegal in SQL.</a:t>
             </a:r>
           </a:p>
           <a:p>
             <a:pPr lvl="1"/>
             <a:r>
-              <a:rPr lang="en-US" altLang="zh-TW"/>
+              <a:rPr lang="en-US" altLang="zh-TW" dirty="0"/>
               <a:t>Why? Note bar is neither </a:t>
             </a:r>
             <a:r>
-              <a:rPr lang="en-US" altLang="zh-TW">
+              <a:rPr lang="en-US" altLang="zh-TW" dirty="0">
                 <a:solidFill>
                   <a:srgbClr val="0000FF"/>
                 </a:solidFill>
@@ -13168,11 +14218,11 @@
               <a:t>aggregated</a:t>
             </a:r>
             <a:r>
-              <a:rPr lang="en-US" altLang="zh-TW"/>
+              <a:rPr lang="en-US" altLang="zh-TW" dirty="0"/>
               <a:t> nor </a:t>
             </a:r>
             <a:r>
-              <a:rPr lang="en-US" altLang="zh-TW">
+              <a:rPr lang="en-US" altLang="zh-TW" dirty="0">
                 <a:solidFill>
                   <a:srgbClr val="0000FF"/>
                 </a:solidFill>
@@ -13180,11 +14230,11 @@
               <a:t>on</a:t>
             </a:r>
             <a:r>
-              <a:rPr lang="en-US" altLang="zh-TW"/>
+              <a:rPr lang="en-US" altLang="zh-TW" dirty="0"/>
               <a:t> </a:t>
             </a:r>
             <a:r>
-              <a:rPr lang="en-US" altLang="zh-TW">
+              <a:rPr lang="en-US" altLang="zh-TW" dirty="0">
                 <a:solidFill>
                   <a:srgbClr val="0000FF"/>
                 </a:solidFill>
@@ -13192,7 +14242,7 @@
               <a:t>the GROUP BY list</a:t>
             </a:r>
             <a:r>
-              <a:rPr lang="en-US" altLang="zh-TW"/>
+              <a:rPr lang="en-US" altLang="zh-TW" dirty="0"/>
               <a:t>.</a:t>
             </a:r>
           </a:p>
@@ -13206,7 +14256,303 @@
   <p:timing>
     <p:tnLst>
       <p:par>
-        <p:cTn id="1" dur="indefinite" restart="never" nodeType="tmRoot"/>
+        <p:cTn id="1" dur="indefinite" restart="never" nodeType="tmRoot">
+          <p:childTnLst>
+            <p:seq concurrent="1" nextAc="seek">
+              <p:cTn id="2" dur="indefinite" nodeType="mainSeq">
+                <p:childTnLst>
+                  <p:par>
+                    <p:cTn id="3" fill="hold">
+                      <p:stCondLst>
+                        <p:cond delay="indefinite"/>
+                      </p:stCondLst>
+                      <p:childTnLst>
+                        <p:par>
+                          <p:cTn id="4" fill="hold">
+                            <p:stCondLst>
+                              <p:cond delay="0"/>
+                            </p:stCondLst>
+                            <p:childTnLst>
+                              <p:par>
+                                <p:cTn id="5" presetID="2" presetClass="entr" presetSubtype="4" fill="hold" nodeType="clickEffect">
+                                  <p:stCondLst>
+                                    <p:cond delay="0"/>
+                                  </p:stCondLst>
+                                  <p:childTnLst>
+                                    <p:set>
+                                      <p:cBhvr>
+                                        <p:cTn id="6" dur="1" fill="hold">
+                                          <p:stCondLst>
+                                            <p:cond delay="0"/>
+                                          </p:stCondLst>
+                                        </p:cTn>
+                                        <p:tgtEl>
+                                          <p:spTgt spid="313347">
+                                            <p:txEl>
+                                              <p:pRg st="1" end="1"/>
+                                            </p:txEl>
+                                          </p:spTgt>
+                                        </p:tgtEl>
+                                        <p:attrNameLst>
+                                          <p:attrName>style.visibility</p:attrName>
+                                        </p:attrNameLst>
+                                      </p:cBhvr>
+                                      <p:to>
+                                        <p:strVal val="visible"/>
+                                      </p:to>
+                                    </p:set>
+                                    <p:anim calcmode="lin" valueType="num">
+                                      <p:cBhvr additive="base">
+                                        <p:cTn id="7" dur="500" fill="hold"/>
+                                        <p:tgtEl>
+                                          <p:spTgt spid="313347">
+                                            <p:txEl>
+                                              <p:pRg st="1" end="1"/>
+                                            </p:txEl>
+                                          </p:spTgt>
+                                        </p:tgtEl>
+                                        <p:attrNameLst>
+                                          <p:attrName>ppt_x</p:attrName>
+                                        </p:attrNameLst>
+                                      </p:cBhvr>
+                                      <p:tavLst>
+                                        <p:tav tm="0">
+                                          <p:val>
+                                            <p:strVal val="#ppt_x"/>
+                                          </p:val>
+                                        </p:tav>
+                                        <p:tav tm="100000">
+                                          <p:val>
+                                            <p:strVal val="#ppt_x"/>
+                                          </p:val>
+                                        </p:tav>
+                                      </p:tavLst>
+                                    </p:anim>
+                                    <p:anim calcmode="lin" valueType="num">
+                                      <p:cBhvr additive="base">
+                                        <p:cTn id="8" dur="500" fill="hold"/>
+                                        <p:tgtEl>
+                                          <p:spTgt spid="313347">
+                                            <p:txEl>
+                                              <p:pRg st="1" end="1"/>
+                                            </p:txEl>
+                                          </p:spTgt>
+                                        </p:tgtEl>
+                                        <p:attrNameLst>
+                                          <p:attrName>ppt_y</p:attrName>
+                                        </p:attrNameLst>
+                                      </p:cBhvr>
+                                      <p:tavLst>
+                                        <p:tav tm="0">
+                                          <p:val>
+                                            <p:strVal val="1+#ppt_h/2"/>
+                                          </p:val>
+                                        </p:tav>
+                                        <p:tav tm="100000">
+                                          <p:val>
+                                            <p:strVal val="#ppt_y"/>
+                                          </p:val>
+                                        </p:tav>
+                                      </p:tavLst>
+                                    </p:anim>
+                                  </p:childTnLst>
+                                </p:cTn>
+                              </p:par>
+                              <p:par>
+                                <p:cTn id="9" presetID="2" presetClass="entr" presetSubtype="4" fill="hold" nodeType="withEffect">
+                                  <p:stCondLst>
+                                    <p:cond delay="0"/>
+                                  </p:stCondLst>
+                                  <p:childTnLst>
+                                    <p:set>
+                                      <p:cBhvr>
+                                        <p:cTn id="10" dur="1" fill="hold">
+                                          <p:stCondLst>
+                                            <p:cond delay="0"/>
+                                          </p:stCondLst>
+                                        </p:cTn>
+                                        <p:tgtEl>
+                                          <p:spTgt spid="313347">
+                                            <p:txEl>
+                                              <p:pRg st="2" end="2"/>
+                                            </p:txEl>
+                                          </p:spTgt>
+                                        </p:tgtEl>
+                                        <p:attrNameLst>
+                                          <p:attrName>style.visibility</p:attrName>
+                                        </p:attrNameLst>
+                                      </p:cBhvr>
+                                      <p:to>
+                                        <p:strVal val="visible"/>
+                                      </p:to>
+                                    </p:set>
+                                    <p:anim calcmode="lin" valueType="num">
+                                      <p:cBhvr additive="base">
+                                        <p:cTn id="11" dur="500" fill="hold"/>
+                                        <p:tgtEl>
+                                          <p:spTgt spid="313347">
+                                            <p:txEl>
+                                              <p:pRg st="2" end="2"/>
+                                            </p:txEl>
+                                          </p:spTgt>
+                                        </p:tgtEl>
+                                        <p:attrNameLst>
+                                          <p:attrName>ppt_x</p:attrName>
+                                        </p:attrNameLst>
+                                      </p:cBhvr>
+                                      <p:tavLst>
+                                        <p:tav tm="0">
+                                          <p:val>
+                                            <p:strVal val="#ppt_x"/>
+                                          </p:val>
+                                        </p:tav>
+                                        <p:tav tm="100000">
+                                          <p:val>
+                                            <p:strVal val="#ppt_x"/>
+                                          </p:val>
+                                        </p:tav>
+                                      </p:tavLst>
+                                    </p:anim>
+                                    <p:anim calcmode="lin" valueType="num">
+                                      <p:cBhvr additive="base">
+                                        <p:cTn id="12" dur="500" fill="hold"/>
+                                        <p:tgtEl>
+                                          <p:spTgt spid="313347">
+                                            <p:txEl>
+                                              <p:pRg st="2" end="2"/>
+                                            </p:txEl>
+                                          </p:spTgt>
+                                        </p:tgtEl>
+                                        <p:attrNameLst>
+                                          <p:attrName>ppt_y</p:attrName>
+                                        </p:attrNameLst>
+                                      </p:cBhvr>
+                                      <p:tavLst>
+                                        <p:tav tm="0">
+                                          <p:val>
+                                            <p:strVal val="1+#ppt_h/2"/>
+                                          </p:val>
+                                        </p:tav>
+                                        <p:tav tm="100000">
+                                          <p:val>
+                                            <p:strVal val="#ppt_y"/>
+                                          </p:val>
+                                        </p:tav>
+                                      </p:tavLst>
+                                    </p:anim>
+                                  </p:childTnLst>
+                                </p:cTn>
+                              </p:par>
+                              <p:par>
+                                <p:cTn id="13" presetID="2" presetClass="entr" presetSubtype="4" fill="hold" nodeType="withEffect">
+                                  <p:stCondLst>
+                                    <p:cond delay="0"/>
+                                  </p:stCondLst>
+                                  <p:childTnLst>
+                                    <p:set>
+                                      <p:cBhvr>
+                                        <p:cTn id="14" dur="1" fill="hold">
+                                          <p:stCondLst>
+                                            <p:cond delay="0"/>
+                                          </p:stCondLst>
+                                        </p:cTn>
+                                        <p:tgtEl>
+                                          <p:spTgt spid="313347">
+                                            <p:txEl>
+                                              <p:pRg st="3" end="3"/>
+                                            </p:txEl>
+                                          </p:spTgt>
+                                        </p:tgtEl>
+                                        <p:attrNameLst>
+                                          <p:attrName>style.visibility</p:attrName>
+                                        </p:attrNameLst>
+                                      </p:cBhvr>
+                                      <p:to>
+                                        <p:strVal val="visible"/>
+                                      </p:to>
+                                    </p:set>
+                                    <p:anim calcmode="lin" valueType="num">
+                                      <p:cBhvr additive="base">
+                                        <p:cTn id="15" dur="500" fill="hold"/>
+                                        <p:tgtEl>
+                                          <p:spTgt spid="313347">
+                                            <p:txEl>
+                                              <p:pRg st="3" end="3"/>
+                                            </p:txEl>
+                                          </p:spTgt>
+                                        </p:tgtEl>
+                                        <p:attrNameLst>
+                                          <p:attrName>ppt_x</p:attrName>
+                                        </p:attrNameLst>
+                                      </p:cBhvr>
+                                      <p:tavLst>
+                                        <p:tav tm="0">
+                                          <p:val>
+                                            <p:strVal val="#ppt_x"/>
+                                          </p:val>
+                                        </p:tav>
+                                        <p:tav tm="100000">
+                                          <p:val>
+                                            <p:strVal val="#ppt_x"/>
+                                          </p:val>
+                                        </p:tav>
+                                      </p:tavLst>
+                                    </p:anim>
+                                    <p:anim calcmode="lin" valueType="num">
+                                      <p:cBhvr additive="base">
+                                        <p:cTn id="16" dur="500" fill="hold"/>
+                                        <p:tgtEl>
+                                          <p:spTgt spid="313347">
+                                            <p:txEl>
+                                              <p:pRg st="3" end="3"/>
+                                            </p:txEl>
+                                          </p:spTgt>
+                                        </p:tgtEl>
+                                        <p:attrNameLst>
+                                          <p:attrName>ppt_y</p:attrName>
+                                        </p:attrNameLst>
+                                      </p:cBhvr>
+                                      <p:tavLst>
+                                        <p:tav tm="0">
+                                          <p:val>
+                                            <p:strVal val="1+#ppt_h/2"/>
+                                          </p:val>
+                                        </p:tav>
+                                        <p:tav tm="100000">
+                                          <p:val>
+                                            <p:strVal val="#ppt_y"/>
+                                          </p:val>
+                                        </p:tav>
+                                      </p:tavLst>
+                                    </p:anim>
+                                  </p:childTnLst>
+                                </p:cTn>
+                              </p:par>
+                            </p:childTnLst>
+                          </p:cTn>
+                        </p:par>
+                      </p:childTnLst>
+                    </p:cTn>
+                  </p:par>
+                </p:childTnLst>
+              </p:cTn>
+              <p:prevCondLst>
+                <p:cond evt="onPrev" delay="0">
+                  <p:tgtEl>
+                    <p:sldTgt/>
+                  </p:tgtEl>
+                </p:cond>
+              </p:prevCondLst>
+              <p:nextCondLst>
+                <p:cond evt="onNext" delay="0">
+                  <p:tgtEl>
+                    <p:sldTgt/>
+                  </p:tgtEl>
+                </p:cond>
+              </p:nextCondLst>
+            </p:seq>
+          </p:childTnLst>
+        </p:cTn>
       </p:par>
     </p:tnLst>
   </p:timing>
@@ -13342,13 +14688,6 @@
   <p:clrMapOvr>
     <a:masterClrMapping/>
   </p:clrMapOvr>
-  <p:timing>
-    <p:tnLst>
-      <p:par>
-        <p:cTn id="1" dur="indefinite" restart="never" nodeType="tmRoot"/>
-      </p:par>
-    </p:tnLst>
-  </p:timing>
 </p:sld>
 </file>
 
@@ -13492,13 +14831,6 @@
   <p:clrMapOvr>
     <a:masterClrMapping/>
   </p:clrMapOvr>
-  <p:timing>
-    <p:tnLst>
-      <p:par>
-        <p:cTn id="1" dur="indefinite" restart="never" nodeType="tmRoot"/>
-      </p:par>
-    </p:tnLst>
-  </p:timing>
 </p:sld>
 </file>
 
@@ -13639,13 +14971,6 @@
   <p:clrMapOvr>
     <a:masterClrMapping/>
   </p:clrMapOvr>
-  <p:timing>
-    <p:tnLst>
-      <p:par>
-        <p:cTn id="1" dur="indefinite" restart="never" nodeType="tmRoot"/>
-      </p:par>
-    </p:tnLst>
-  </p:timing>
 </p:sld>
 </file>
 
@@ -13860,13 +15185,6 @@
   <p:clrMapOvr>
     <a:masterClrMapping/>
   </p:clrMapOvr>
-  <p:timing>
-    <p:tnLst>
-      <p:par>
-        <p:cTn id="1" dur="indefinite" restart="never" nodeType="tmRoot"/>
-      </p:par>
-    </p:tnLst>
-  </p:timing>
 </p:sld>
 </file>
 
@@ -14501,13 +15819,6 @@
   <p:clrMapOvr>
     <a:masterClrMapping/>
   </p:clrMapOvr>
-  <p:timing>
-    <p:tnLst>
-      <p:par>
-        <p:cTn id="1" dur="indefinite" restart="never" nodeType="tmRoot"/>
-      </p:par>
-    </p:tnLst>
-  </p:timing>
 </p:sld>
 </file>
 
@@ -19276,13 +20587,6 @@
   <p:clrMapOvr>
     <a:masterClrMapping/>
   </p:clrMapOvr>
-  <p:timing>
-    <p:tnLst>
-      <p:par>
-        <p:cTn id="1" dur="indefinite" restart="never" nodeType="tmRoot"/>
-      </p:par>
-    </p:tnLst>
-  </p:timing>
 </p:sld>
 </file>
 
@@ -19588,13 +20892,6 @@
   <p:clrMapOvr>
     <a:masterClrMapping/>
   </p:clrMapOvr>
-  <p:timing>
-    <p:tnLst>
-      <p:par>
-        <p:cTn id="1" dur="indefinite" restart="never" nodeType="tmRoot"/>
-      </p:par>
-    </p:tnLst>
-  </p:timing>
 </p:sld>
 </file>
 
@@ -19779,13 +21076,6 @@
   <p:clrMapOvr>
     <a:masterClrMapping/>
   </p:clrMapOvr>
-  <p:timing>
-    <p:tnLst>
-      <p:par>
-        <p:cTn id="1" dur="indefinite" restart="never" nodeType="tmRoot"/>
-      </p:par>
-    </p:tnLst>
-  </p:timing>
 </p:sld>
 </file>
 
@@ -20000,13 +21290,6 @@
   <p:clrMapOvr>
     <a:masterClrMapping/>
   </p:clrMapOvr>
-  <p:timing>
-    <p:tnLst>
-      <p:par>
-        <p:cTn id="1" dur="indefinite" restart="never" nodeType="tmRoot"/>
-      </p:par>
-    </p:tnLst>
-  </p:timing>
 </p:sld>
 </file>
 
@@ -20137,13 +21420,6 @@
   <p:clrMapOvr>
     <a:masterClrMapping/>
   </p:clrMapOvr>
-  <p:timing>
-    <p:tnLst>
-      <p:par>
-        <p:cTn id="1" dur="indefinite" restart="never" nodeType="tmRoot"/>
-      </p:par>
-    </p:tnLst>
-  </p:timing>
 </p:sld>
 </file>
 
@@ -20316,13 +21592,6 @@
   <p:clrMapOvr>
     <a:masterClrMapping/>
   </p:clrMapOvr>
-  <p:timing>
-    <p:tnLst>
-      <p:par>
-        <p:cTn id="1" dur="indefinite" restart="never" nodeType="tmRoot"/>
-      </p:par>
-    </p:tnLst>
-  </p:timing>
 </p:sld>
 </file>
 
@@ -20923,13 +22192,6 @@
   <p:clrMapOvr>
     <a:masterClrMapping/>
   </p:clrMapOvr>
-  <p:timing>
-    <p:tnLst>
-      <p:par>
-        <p:cTn id="1" dur="indefinite" restart="never" nodeType="tmRoot"/>
-      </p:par>
-    </p:tnLst>
-  </p:timing>
 </p:sld>
 </file>
 
@@ -21459,13 +22721,6 @@
   <p:clrMapOvr>
     <a:masterClrMapping/>
   </p:clrMapOvr>
-  <p:timing>
-    <p:tnLst>
-      <p:par>
-        <p:cTn id="1" dur="indefinite" restart="never" nodeType="tmRoot"/>
-      </p:par>
-    </p:tnLst>
-  </p:timing>
 </p:sld>
 </file>
 
@@ -21608,13 +22863,6 @@
   <p:clrMapOvr>
     <a:masterClrMapping/>
   </p:clrMapOvr>
-  <p:timing>
-    <p:tnLst>
-      <p:par>
-        <p:cTn id="1" dur="indefinite" restart="never" nodeType="tmRoot"/>
-      </p:par>
-    </p:tnLst>
-  </p:timing>
 </p:sld>
 </file>
 
@@ -21835,13 +23083,6 @@
   <p:clrMapOvr>
     <a:masterClrMapping/>
   </p:clrMapOvr>
-  <p:timing>
-    <p:tnLst>
-      <p:par>
-        <p:cTn id="1" dur="indefinite" restart="never" nodeType="tmRoot"/>
-      </p:par>
-    </p:tnLst>
-  </p:timing>
 </p:sld>
 </file>
 
@@ -21988,13 +23229,6 @@
   <p:clrMapOvr>
     <a:masterClrMapping/>
   </p:clrMapOvr>
-  <p:timing>
-    <p:tnLst>
-      <p:par>
-        <p:cTn id="1" dur="indefinite" restart="never" nodeType="tmRoot"/>
-      </p:par>
-    </p:tnLst>
-  </p:timing>
 </p:sld>
 </file>
 
@@ -22377,13 +23611,6 @@
   <p:clrMapOvr>
     <a:masterClrMapping/>
   </p:clrMapOvr>
-  <p:timing>
-    <p:tnLst>
-      <p:par>
-        <p:cTn id="1" dur="indefinite" restart="never" nodeType="tmRoot"/>
-      </p:par>
-    </p:tnLst>
-  </p:timing>
 </p:sld>
 </file>
 
@@ -22643,13 +23870,6 @@
   <p:clrMapOvr>
     <a:masterClrMapping/>
   </p:clrMapOvr>
-  <p:timing>
-    <p:tnLst>
-      <p:par>
-        <p:cTn id="1" dur="indefinite" restart="never" nodeType="tmRoot"/>
-      </p:par>
-    </p:tnLst>
-  </p:timing>
 </p:sld>
 </file>
 
@@ -22835,13 +24055,6 @@
   <p:clrMapOvr>
     <a:masterClrMapping/>
   </p:clrMapOvr>
-  <p:timing>
-    <p:tnLst>
-      <p:par>
-        <p:cTn id="1" dur="indefinite" restart="never" nodeType="tmRoot"/>
-      </p:par>
-    </p:tnLst>
-  </p:timing>
 </p:sld>
 </file>
 
@@ -22975,13 +24188,6 @@
   <p:clrMapOvr>
     <a:masterClrMapping/>
   </p:clrMapOvr>
-  <p:timing>
-    <p:tnLst>
-      <p:par>
-        <p:cTn id="1" dur="indefinite" restart="never" nodeType="tmRoot"/>
-      </p:par>
-    </p:tnLst>
-  </p:timing>
 </p:sld>
 </file>
 
@@ -23187,13 +24393,6 @@
   <p:clrMapOvr>
     <a:masterClrMapping/>
   </p:clrMapOvr>
-  <p:timing>
-    <p:tnLst>
-      <p:par>
-        <p:cTn id="1" dur="indefinite" restart="never" nodeType="tmRoot"/>
-      </p:par>
-    </p:tnLst>
-  </p:timing>
 </p:sld>
 </file>
 
@@ -23339,13 +24538,6 @@
   <p:clrMapOvr>
     <a:masterClrMapping/>
   </p:clrMapOvr>
-  <p:timing>
-    <p:tnLst>
-      <p:par>
-        <p:cTn id="1" dur="indefinite" restart="never" nodeType="tmRoot"/>
-      </p:par>
-    </p:tnLst>
-  </p:timing>
 </p:sld>
 </file>
 
@@ -23514,13 +24706,6 @@
   <p:clrMapOvr>
     <a:masterClrMapping/>
   </p:clrMapOvr>
-  <p:timing>
-    <p:tnLst>
-      <p:par>
-        <p:cTn id="1" dur="indefinite" restart="never" nodeType="tmRoot"/>
-      </p:par>
-    </p:tnLst>
-  </p:timing>
 </p:sld>
 </file>
 
@@ -23662,13 +24847,6 @@
   <p:clrMapOvr>
     <a:masterClrMapping/>
   </p:clrMapOvr>
-  <p:timing>
-    <p:tnLst>
-      <p:par>
-        <p:cTn id="1" dur="indefinite" restart="never" nodeType="tmRoot"/>
-      </p:par>
-    </p:tnLst>
-  </p:timing>
 </p:sld>
 </file>
 
@@ -23862,13 +25040,6 @@
   <p:clrMapOvr>
     <a:masterClrMapping/>
   </p:clrMapOvr>
-  <p:timing>
-    <p:tnLst>
-      <p:par>
-        <p:cTn id="1" dur="indefinite" restart="never" nodeType="tmRoot"/>
-      </p:par>
-    </p:tnLst>
-  </p:timing>
 </p:sld>
 </file>
 
@@ -26860,13 +28031,6 @@
   <p:clrMapOvr>
     <a:masterClrMapping/>
   </p:clrMapOvr>
-  <p:timing>
-    <p:tnLst>
-      <p:par>
-        <p:cTn id="1" dur="indefinite" restart="never" nodeType="tmRoot"/>
-      </p:par>
-    </p:tnLst>
-  </p:timing>
 </p:sld>
 </file>
 
